--- a/006_ValeurFinale2E/images/Images.pptx
+++ b/006_ValeurFinale2E/images/Images.pptx
@@ -7,7 +7,6 @@
   <p:sldIdLst>
     <p:sldId id="258" r:id="rId2"/>
     <p:sldId id="256" r:id="rId3"/>
-    <p:sldId id="257" r:id="rId4"/>
   </p:sldIdLst>
   <p:sldSz cx="12192000" cy="6858000"/>
   <p:notesSz cx="6858000" cy="9144000"/>
@@ -3344,8 +3343,8 @@
             </p:nvSpPr>
             <p:spPr>
               <a:xfrm>
-                <a:off x="1691679" y="1180511"/>
-                <a:ext cx="2383047" cy="752562"/>
+                <a:off x="2054506" y="1180511"/>
+                <a:ext cx="1027777" cy="752562"/>
               </a:xfrm>
               <a:prstGeom prst="rect">
                 <a:avLst/>
@@ -3418,156 +3417,6 @@
                             </a:rPr>
                             <m:t>𝑝</m:t>
                           </m:r>
-                          <m:d>
-                            <m:dPr>
-                              <m:ctrlPr>
-                                <a:rPr lang="fr-FR" i="1">
-                                  <a:solidFill>
-                                    <a:schemeClr val="tx1"/>
-                                  </a:solidFill>
-                                  <a:latin typeface="Cambria Math" panose="02040503050406030204" pitchFamily="18" charset="0"/>
-                                </a:rPr>
-                              </m:ctrlPr>
-                            </m:dPr>
-                            <m:e>
-                              <m:r>
-                                <a:rPr lang="fr-FR" b="0" i="1" smtClean="0">
-                                  <a:solidFill>
-                                    <a:schemeClr val="tx1"/>
-                                  </a:solidFill>
-                                  <a:latin typeface="Cambria Math" panose="02040503050406030204" pitchFamily="18" charset="0"/>
-                                </a:rPr>
-                                <m:t>1</m:t>
-                              </m:r>
-                              <m:r>
-                                <a:rPr lang="fr-FR" i="1">
-                                  <a:solidFill>
-                                    <a:schemeClr val="tx1"/>
-                                  </a:solidFill>
-                                  <a:latin typeface="Cambria Math" panose="02040503050406030204" pitchFamily="18" charset="0"/>
-                                </a:rPr>
-                                <m:t>+</m:t>
-                              </m:r>
-                              <m:sSub>
-                                <m:sSubPr>
-                                  <m:ctrlPr>
-                                    <a:rPr lang="fr-FR" b="0" i="1" smtClean="0">
-                                      <a:solidFill>
-                                        <a:schemeClr val="tx1"/>
-                                      </a:solidFill>
-                                      <a:latin typeface="Cambria Math" panose="02040503050406030204" pitchFamily="18" charset="0"/>
-                                    </a:rPr>
-                                  </m:ctrlPr>
-                                </m:sSubPr>
-                                <m:e>
-                                  <m:r>
-                                    <a:rPr lang="fr-FR" b="0" i="1" smtClean="0">
-                                      <a:solidFill>
-                                        <a:schemeClr val="tx1"/>
-                                      </a:solidFill>
-                                      <a:latin typeface="Cambria Math" panose="02040503050406030204" pitchFamily="18" charset="0"/>
-                                    </a:rPr>
-                                    <m:t>𝜏</m:t>
-                                  </m:r>
-                                </m:e>
-                                <m:sub>
-                                  <m:r>
-                                    <a:rPr lang="fr-FR" b="0" i="1" smtClean="0">
-                                      <a:solidFill>
-                                        <a:schemeClr val="tx1"/>
-                                      </a:solidFill>
-                                      <a:latin typeface="Cambria Math" panose="02040503050406030204" pitchFamily="18" charset="0"/>
-                                    </a:rPr>
-                                    <m:t>1</m:t>
-                                  </m:r>
-                                </m:sub>
-                              </m:sSub>
-                              <m:r>
-                                <a:rPr lang="fr-FR" i="1">
-                                  <a:solidFill>
-                                    <a:schemeClr val="tx1"/>
-                                  </a:solidFill>
-                                  <a:latin typeface="Cambria Math" panose="02040503050406030204" pitchFamily="18" charset="0"/>
-                                </a:rPr>
-                                <m:t>𝑝</m:t>
-                              </m:r>
-                            </m:e>
-                          </m:d>
-                          <m:d>
-                            <m:dPr>
-                              <m:ctrlPr>
-                                <a:rPr lang="fr-FR" i="1">
-                                  <a:solidFill>
-                                    <a:schemeClr val="tx1"/>
-                                  </a:solidFill>
-                                  <a:latin typeface="Cambria Math" panose="02040503050406030204" pitchFamily="18" charset="0"/>
-                                </a:rPr>
-                              </m:ctrlPr>
-                            </m:dPr>
-                            <m:e>
-                              <m:r>
-                                <a:rPr lang="fr-FR" b="0" i="1" smtClean="0">
-                                  <a:solidFill>
-                                    <a:schemeClr val="tx1"/>
-                                  </a:solidFill>
-                                  <a:latin typeface="Cambria Math" panose="02040503050406030204" pitchFamily="18" charset="0"/>
-                                </a:rPr>
-                                <m:t>1</m:t>
-                              </m:r>
-                              <m:r>
-                                <a:rPr lang="fr-FR" i="1">
-                                  <a:solidFill>
-                                    <a:schemeClr val="tx1"/>
-                                  </a:solidFill>
-                                  <a:latin typeface="Cambria Math" panose="02040503050406030204" pitchFamily="18" charset="0"/>
-                                </a:rPr>
-                                <m:t>+</m:t>
-                              </m:r>
-                              <m:sSub>
-                                <m:sSubPr>
-                                  <m:ctrlPr>
-                                    <a:rPr lang="fr-FR" b="0" i="1" smtClean="0">
-                                      <a:solidFill>
-                                        <a:schemeClr val="tx1"/>
-                                      </a:solidFill>
-                                      <a:latin typeface="Cambria Math" panose="02040503050406030204" pitchFamily="18" charset="0"/>
-                                    </a:rPr>
-                                  </m:ctrlPr>
-                                </m:sSubPr>
-                                <m:e>
-                                  <m:r>
-                                    <a:rPr lang="fr-FR" b="0" i="1" smtClean="0">
-                                      <a:solidFill>
-                                        <a:schemeClr val="tx1"/>
-                                      </a:solidFill>
-                                      <a:latin typeface="Cambria Math" panose="02040503050406030204" pitchFamily="18" charset="0"/>
-                                    </a:rPr>
-                                    <m:t>𝜏</m:t>
-                                  </m:r>
-                                </m:e>
-                                <m:sub>
-                                  <m:r>
-                                    <a:rPr lang="fr-FR" b="0" i="1" smtClean="0">
-                                      <a:solidFill>
-                                        <a:schemeClr val="tx1"/>
-                                      </a:solidFill>
-                                      <a:latin typeface="Cambria Math" panose="02040503050406030204" pitchFamily="18" charset="0"/>
-                                    </a:rPr>
-                                    <m:t>2</m:t>
-                                  </m:r>
-                                </m:sub>
-                              </m:sSub>
-                              <m:r>
-                                <a:rPr lang="fr-FR" i="1">
-                                  <a:solidFill>
-                                    <a:schemeClr val="tx1"/>
-                                  </a:solidFill>
-                                  <a:latin typeface="Cambria Math" panose="02040503050406030204" pitchFamily="18" charset="0"/>
-                                </a:rPr>
-                                <m:t>𝑝</m:t>
-                              </m:r>
-                            </m:e>
-                          </m:d>
                         </m:den>
                       </m:f>
                     </m:oMath>
@@ -3599,8 +3448,8 @@
             </p:nvSpPr>
             <p:spPr>
               <a:xfrm>
-                <a:off x="1691679" y="1180511"/>
-                <a:ext cx="2383047" cy="752562"/>
+                <a:off x="2054506" y="1180511"/>
+                <a:ext cx="1027777" cy="752562"/>
               </a:xfrm>
               <a:prstGeom prst="rect">
                 <a:avLst/>
@@ -3634,8 +3483,8 @@
           </p:sp>
         </mc:Fallback>
       </mc:AlternateContent>
-      <mc:AlternateContent xmlns:mc="http://schemas.openxmlformats.org/markup-compatibility/2006">
-        <mc:Choice xmlns:a14="http://schemas.microsoft.com/office/drawing/2010/main" Requires="a14">
+      <mc:AlternateContent xmlns:mc="http://schemas.openxmlformats.org/markup-compatibility/2006" xmlns:a14="http://schemas.microsoft.com/office/drawing/2010/main">
+        <mc:Choice Requires="a14">
           <p:sp>
             <p:nvSpPr>
               <p:cNvPr id="6" name="Rectangle 5">
@@ -3713,7 +3562,7 @@
             </p:txBody>
           </p:sp>
         </mc:Choice>
-        <mc:Fallback>
+        <mc:Fallback xmlns="">
           <p:sp>
             <p:nvSpPr>
               <p:cNvPr id="6" name="Rectangle 5">
@@ -3897,7 +3746,7 @@
         <p:spPr>
           <a:xfrm>
             <a:off x="1439632" y="1556792"/>
-            <a:ext cx="252047" cy="0"/>
+            <a:ext cx="614874" cy="0"/>
           </a:xfrm>
           <a:prstGeom prst="straightConnector1">
             <a:avLst/>
@@ -3940,13 +3789,12 @@
           </p:cNvPr>
           <p:cNvCxnSpPr>
             <a:cxnSpLocks/>
-            <a:stCxn id="4" idx="3"/>
           </p:cNvCxnSpPr>
           <p:nvPr/>
         </p:nvCxnSpPr>
         <p:spPr>
           <a:xfrm>
-            <a:off x="4074726" y="1556792"/>
+            <a:off x="5897096" y="1565333"/>
             <a:ext cx="903674" cy="0"/>
           </a:xfrm>
           <a:prstGeom prst="straightConnector1">
@@ -3995,8 +3843,8 @@
         </p:nvCxnSpPr>
         <p:spPr>
           <a:xfrm>
-            <a:off x="4406463" y="1553262"/>
-            <a:ext cx="0" cy="727152"/>
+            <a:off x="6279504" y="1565333"/>
+            <a:ext cx="0" cy="711538"/>
           </a:xfrm>
           <a:prstGeom prst="straightConnector1">
             <a:avLst/>
@@ -4044,8 +3892,8 @@
         </p:nvCxnSpPr>
         <p:spPr>
           <a:xfrm flipH="1">
-            <a:off x="3285202" y="2276871"/>
-            <a:ext cx="1121261" cy="0"/>
+            <a:off x="3285203" y="2276871"/>
+            <a:ext cx="2994301" cy="0"/>
           </a:xfrm>
           <a:prstGeom prst="straightConnector1">
             <a:avLst/>
@@ -4177,8 +4025,8 @@
           </a:fontRef>
         </p:style>
       </p:cxnSp>
-      <mc:AlternateContent xmlns:mc="http://schemas.openxmlformats.org/markup-compatibility/2006">
-        <mc:Choice xmlns:a14="http://schemas.microsoft.com/office/drawing/2010/main" Requires="a14">
+      <mc:AlternateContent xmlns:mc="http://schemas.openxmlformats.org/markup-compatibility/2006" xmlns:a14="http://schemas.microsoft.com/office/drawing/2010/main">
+        <mc:Choice Requires="a14">
           <p:sp>
             <p:nvSpPr>
               <p:cNvPr id="20" name="Rectangle 19">
@@ -4244,7 +4092,7 @@
             </p:txBody>
           </p:sp>
         </mc:Choice>
-        <mc:Fallback>
+        <mc:Fallback xmlns="">
           <p:sp>
             <p:nvSpPr>
               <p:cNvPr id="20" name="Rectangle 19">
@@ -4495,7 +4343,7 @@
             </p:nvSpPr>
             <p:spPr>
               <a:xfrm>
-                <a:off x="4069447" y="1204197"/>
+                <a:off x="6031707" y="1183930"/>
                 <a:ext cx="686534" cy="369332"/>
               </a:xfrm>
               <a:prstGeom prst="rect">
@@ -4563,7 +4411,7 @@
             </p:nvSpPr>
             <p:spPr>
               <a:xfrm>
-                <a:off x="4069447" y="1204197"/>
+                <a:off x="6031707" y="1183930"/>
                 <a:ext cx="686534" cy="369332"/>
               </a:xfrm>
               <a:prstGeom prst="rect">
@@ -4571,836 +4419,6 @@
               </a:prstGeom>
               <a:blipFill>
                 <a:blip r:embed="rId8"/>
-                <a:stretch>
-                  <a:fillRect b="-6667"/>
-                </a:stretch>
-              </a:blipFill>
-            </p:spPr>
-            <p:txBody>
-              <a:bodyPr/>
-              <a:lstStyle/>
-              <a:p>
-                <a:r>
-                  <a:rPr lang="fr-FR">
-                    <a:noFill/>
-                  </a:rPr>
-                  <a:t> </a:t>
-                </a:r>
-              </a:p>
-            </p:txBody>
-          </p:sp>
-        </mc:Fallback>
-      </mc:AlternateContent>
-    </p:spTree>
-    <p:extLst>
-      <p:ext uri="{BB962C8B-B14F-4D97-AF65-F5344CB8AC3E}">
-        <p14:creationId xmlns:p14="http://schemas.microsoft.com/office/powerpoint/2010/main" val="272553000"/>
-      </p:ext>
-    </p:extLst>
-  </p:cSld>
-  <p:clrMapOvr>
-    <a:masterClrMapping/>
-  </p:clrMapOvr>
-</p:sld>
-</file>
-
-<file path=ppt/slides/slide2.xml><?xml version="1.0" encoding="utf-8"?>
-<p:sld xmlns:a="http://schemas.openxmlformats.org/drawingml/2006/main" xmlns:r="http://schemas.openxmlformats.org/officeDocument/2006/relationships" xmlns:p="http://schemas.openxmlformats.org/presentationml/2006/main">
-  <p:cSld>
-    <p:spTree>
-      <p:nvGrpSpPr>
-        <p:cNvPr id="1" name=""/>
-        <p:cNvGrpSpPr/>
-        <p:nvPr/>
-      </p:nvGrpSpPr>
-      <p:grpSpPr>
-        <a:xfrm>
-          <a:off x="0" y="0"/>
-          <a:ext cx="0" cy="0"/>
-          <a:chOff x="0" y="0"/>
-          <a:chExt cx="0" cy="0"/>
-        </a:xfrm>
-      </p:grpSpPr>
-      <p:sp>
-        <p:nvSpPr>
-          <p:cNvPr id="2" name="Titre 1">
-            <a:extLst>
-              <a:ext uri="{FF2B5EF4-FFF2-40B4-BE49-F238E27FC236}">
-                <a16:creationId xmlns:a16="http://schemas.microsoft.com/office/drawing/2014/main" id="{19C8F8A3-48FE-4B9D-B5F6-DF7674DB1193}"/>
-              </a:ext>
-            </a:extLst>
-          </p:cNvPr>
-          <p:cNvSpPr>
-            <a:spLocks noGrp="1"/>
-          </p:cNvSpPr>
-          <p:nvPr>
-            <p:ph type="ctrTitle"/>
-          </p:nvPr>
-        </p:nvSpPr>
-        <p:spPr/>
-        <p:txBody>
-          <a:bodyPr/>
-          <a:lstStyle/>
-          <a:p>
-            <a:endParaRPr lang="fr-FR"/>
-          </a:p>
-        </p:txBody>
-      </p:sp>
-      <p:sp>
-        <p:nvSpPr>
-          <p:cNvPr id="3" name="Sous-titre 2">
-            <a:extLst>
-              <a:ext uri="{FF2B5EF4-FFF2-40B4-BE49-F238E27FC236}">
-                <a16:creationId xmlns:a16="http://schemas.microsoft.com/office/drawing/2014/main" id="{4F2E2E16-0FDD-4CDD-A03B-87AFD0A93A8A}"/>
-              </a:ext>
-            </a:extLst>
-          </p:cNvPr>
-          <p:cNvSpPr>
-            <a:spLocks noGrp="1"/>
-          </p:cNvSpPr>
-          <p:nvPr>
-            <p:ph type="subTitle" idx="1"/>
-          </p:nvPr>
-        </p:nvSpPr>
-        <p:spPr/>
-        <p:txBody>
-          <a:bodyPr/>
-          <a:lstStyle/>
-          <a:p>
-            <a:endParaRPr lang="fr-FR"/>
-          </a:p>
-        </p:txBody>
-      </p:sp>
-    </p:spTree>
-    <p:extLst>
-      <p:ext uri="{BB962C8B-B14F-4D97-AF65-F5344CB8AC3E}">
-        <p14:creationId xmlns:p14="http://schemas.microsoft.com/office/powerpoint/2010/main" val="1753854465"/>
-      </p:ext>
-    </p:extLst>
-  </p:cSld>
-  <p:clrMapOvr>
-    <a:masterClrMapping/>
-  </p:clrMapOvr>
-</p:sld>
-</file>
-
-<file path=ppt/slides/slide3.xml><?xml version="1.0" encoding="utf-8"?>
-<p:sld xmlns:a="http://schemas.openxmlformats.org/drawingml/2006/main" xmlns:r="http://schemas.openxmlformats.org/officeDocument/2006/relationships" xmlns:p="http://schemas.openxmlformats.org/presentationml/2006/main">
-  <p:cSld>
-    <p:spTree>
-      <p:nvGrpSpPr>
-        <p:cNvPr id="1" name=""/>
-        <p:cNvGrpSpPr/>
-        <p:nvPr/>
-      </p:nvGrpSpPr>
-      <p:grpSpPr>
-        <a:xfrm>
-          <a:off x="0" y="0"/>
-          <a:ext cx="0" cy="0"/>
-          <a:chOff x="0" y="0"/>
-          <a:chExt cx="0" cy="0"/>
-        </a:xfrm>
-      </p:grpSpPr>
-      <mc:AlternateContent xmlns:mc="http://schemas.openxmlformats.org/markup-compatibility/2006" xmlns:a14="http://schemas.microsoft.com/office/drawing/2010/main">
-        <mc:Choice Requires="a14">
-          <p:sp>
-            <p:nvSpPr>
-              <p:cNvPr id="4" name="Rectangle 3">
-                <a:extLst>
-                  <a:ext uri="{FF2B5EF4-FFF2-40B4-BE49-F238E27FC236}">
-                    <a16:creationId xmlns:a16="http://schemas.microsoft.com/office/drawing/2014/main" id="{24540A29-43BE-4713-818F-CE134CDD9B81}"/>
-                  </a:ext>
-                </a:extLst>
-              </p:cNvPr>
-              <p:cNvSpPr/>
-              <p:nvPr/>
-            </p:nvSpPr>
-            <p:spPr>
-              <a:xfrm>
-                <a:off x="1789781" y="1325301"/>
-                <a:ext cx="432048" cy="462982"/>
-              </a:xfrm>
-              <a:prstGeom prst="rect">
-                <a:avLst/>
-              </a:prstGeom>
-              <a:noFill/>
-              <a:ln w="19050">
-                <a:solidFill>
-                  <a:schemeClr val="accent5">
-                    <a:lumMod val="50000"/>
-                  </a:schemeClr>
-                </a:solidFill>
-              </a:ln>
-            </p:spPr>
-            <p:style>
-              <a:lnRef idx="2">
-                <a:schemeClr val="accent1">
-                  <a:shade val="50000"/>
-                </a:schemeClr>
-              </a:lnRef>
-              <a:fillRef idx="1">
-                <a:schemeClr val="accent1"/>
-              </a:fillRef>
-              <a:effectRef idx="0">
-                <a:schemeClr val="accent1"/>
-              </a:effectRef>
-              <a:fontRef idx="minor">
-                <a:schemeClr val="lt1"/>
-              </a:fontRef>
-            </p:style>
-            <p:txBody>
-              <a:bodyPr rtlCol="0" anchor="ctr"/>
-              <a:lstStyle/>
-              <a:p>
-                <a:pPr algn="ctr"/>
-                <a14:m>
-                  <m:oMathPara xmlns:m="http://schemas.openxmlformats.org/officeDocument/2006/math">
-                    <m:oMathParaPr>
-                      <m:jc m:val="centerGroup"/>
-                    </m:oMathParaPr>
-                    <m:oMath xmlns:m="http://schemas.openxmlformats.org/officeDocument/2006/math">
-                      <m:r>
-                        <a:rPr lang="fr-FR" b="0" i="1" smtClean="0">
-                          <a:solidFill>
-                            <a:schemeClr val="tx1"/>
-                          </a:solidFill>
-                          <a:latin typeface="Cambria Math" panose="02040503050406030204" pitchFamily="18" charset="0"/>
-                        </a:rPr>
-                        <m:t>𝐴</m:t>
-                      </m:r>
-                    </m:oMath>
-                  </m:oMathPara>
-                </a14:m>
-                <a:endParaRPr lang="fr-FR" b="0" dirty="0">
-                  <a:solidFill>
-                    <a:schemeClr val="tx1"/>
-                  </a:solidFill>
-                </a:endParaRPr>
-              </a:p>
-            </p:txBody>
-          </p:sp>
-        </mc:Choice>
-        <mc:Fallback xmlns="">
-          <p:sp>
-            <p:nvSpPr>
-              <p:cNvPr id="4" name="Rectangle 3">
-                <a:extLst>
-                  <a:ext uri="{FF2B5EF4-FFF2-40B4-BE49-F238E27FC236}">
-                    <a16:creationId xmlns:a16="http://schemas.microsoft.com/office/drawing/2014/main" id="{24540A29-43BE-4713-818F-CE134CDD9B81}"/>
-                  </a:ext>
-                </a:extLst>
-              </p:cNvPr>
-              <p:cNvSpPr>
-                <a:spLocks noRot="1" noChangeAspect="1" noMove="1" noResize="1" noEditPoints="1" noAdjustHandles="1" noChangeArrowheads="1" noChangeShapeType="1" noTextEdit="1"/>
-              </p:cNvSpPr>
-              <p:nvPr/>
-            </p:nvSpPr>
-            <p:spPr>
-              <a:xfrm>
-                <a:off x="1789781" y="1325301"/>
-                <a:ext cx="432048" cy="462982"/>
-              </a:xfrm>
-              <a:prstGeom prst="rect">
-                <a:avLst/>
-              </a:prstGeom>
-              <a:blipFill>
-                <a:blip r:embed="rId2"/>
-                <a:stretch>
-                  <a:fillRect/>
-                </a:stretch>
-              </a:blipFill>
-              <a:ln w="19050">
-                <a:solidFill>
-                  <a:schemeClr val="accent5">
-                    <a:lumMod val="50000"/>
-                  </a:schemeClr>
-                </a:solidFill>
-              </a:ln>
-            </p:spPr>
-            <p:txBody>
-              <a:bodyPr/>
-              <a:lstStyle/>
-              <a:p>
-                <a:r>
-                  <a:rPr lang="fr-FR">
-                    <a:noFill/>
-                  </a:rPr>
-                  <a:t> </a:t>
-                </a:r>
-              </a:p>
-            </p:txBody>
-          </p:sp>
-        </mc:Fallback>
-      </mc:AlternateContent>
-      <mc:AlternateContent xmlns:mc="http://schemas.openxmlformats.org/markup-compatibility/2006" xmlns:a14="http://schemas.microsoft.com/office/drawing/2010/main">
-        <mc:Choice Requires="a14">
-          <p:sp>
-            <p:nvSpPr>
-              <p:cNvPr id="5" name="Rectangle 4">
-                <a:extLst>
-                  <a:ext uri="{FF2B5EF4-FFF2-40B4-BE49-F238E27FC236}">
-                    <a16:creationId xmlns:a16="http://schemas.microsoft.com/office/drawing/2014/main" id="{EE47CC8F-8012-4DCC-BF94-4D6B706C00C7}"/>
-                  </a:ext>
-                </a:extLst>
-              </p:cNvPr>
-              <p:cNvSpPr/>
-              <p:nvPr/>
-            </p:nvSpPr>
-            <p:spPr>
-              <a:xfrm>
-                <a:off x="3256013" y="2074722"/>
-                <a:ext cx="535596" cy="432048"/>
-              </a:xfrm>
-              <a:prstGeom prst="rect">
-                <a:avLst/>
-              </a:prstGeom>
-              <a:noFill/>
-              <a:ln w="19050">
-                <a:solidFill>
-                  <a:schemeClr val="accent5">
-                    <a:lumMod val="50000"/>
-                  </a:schemeClr>
-                </a:solidFill>
-              </a:ln>
-            </p:spPr>
-            <p:style>
-              <a:lnRef idx="2">
-                <a:schemeClr val="accent1">
-                  <a:shade val="50000"/>
-                </a:schemeClr>
-              </a:lnRef>
-              <a:fillRef idx="1">
-                <a:schemeClr val="accent1"/>
-              </a:fillRef>
-              <a:effectRef idx="0">
-                <a:schemeClr val="accent1"/>
-              </a:effectRef>
-              <a:fontRef idx="minor">
-                <a:schemeClr val="lt1"/>
-              </a:fontRef>
-            </p:style>
-            <p:txBody>
-              <a:bodyPr rtlCol="0" anchor="ctr"/>
-              <a:lstStyle/>
-              <a:p>
-                <a:pPr algn="ctr"/>
-                <a14:m>
-                  <m:oMathPara xmlns:m="http://schemas.openxmlformats.org/officeDocument/2006/math">
-                    <m:oMathParaPr>
-                      <m:jc m:val="centerGroup"/>
-                    </m:oMathParaPr>
-                    <m:oMath xmlns:m="http://schemas.openxmlformats.org/officeDocument/2006/math">
-                      <m:r>
-                        <a:rPr lang="fr-FR" b="0" i="1" smtClean="0">
-                          <a:solidFill>
-                            <a:schemeClr val="tx1"/>
-                          </a:solidFill>
-                          <a:latin typeface="Cambria Math" panose="02040503050406030204" pitchFamily="18" charset="0"/>
-                        </a:rPr>
-                        <m:t>𝐵</m:t>
-                      </m:r>
-                    </m:oMath>
-                  </m:oMathPara>
-                </a14:m>
-                <a:endParaRPr lang="fr-FR" b="0" dirty="0">
-                  <a:solidFill>
-                    <a:schemeClr val="tx1"/>
-                  </a:solidFill>
-                </a:endParaRPr>
-              </a:p>
-            </p:txBody>
-          </p:sp>
-        </mc:Choice>
-        <mc:Fallback xmlns="">
-          <p:sp>
-            <p:nvSpPr>
-              <p:cNvPr id="5" name="Rectangle 4">
-                <a:extLst>
-                  <a:ext uri="{FF2B5EF4-FFF2-40B4-BE49-F238E27FC236}">
-                    <a16:creationId xmlns:a16="http://schemas.microsoft.com/office/drawing/2014/main" id="{EE47CC8F-8012-4DCC-BF94-4D6B706C00C7}"/>
-                  </a:ext>
-                </a:extLst>
-              </p:cNvPr>
-              <p:cNvSpPr>
-                <a:spLocks noRot="1" noChangeAspect="1" noMove="1" noResize="1" noEditPoints="1" noAdjustHandles="1" noChangeArrowheads="1" noChangeShapeType="1" noTextEdit="1"/>
-              </p:cNvSpPr>
-              <p:nvPr/>
-            </p:nvSpPr>
-            <p:spPr>
-              <a:xfrm>
-                <a:off x="3256013" y="2074722"/>
-                <a:ext cx="535596" cy="432048"/>
-              </a:xfrm>
-              <a:prstGeom prst="rect">
-                <a:avLst/>
-              </a:prstGeom>
-              <a:blipFill>
-                <a:blip r:embed="rId3"/>
-                <a:stretch>
-                  <a:fillRect/>
-                </a:stretch>
-              </a:blipFill>
-              <a:ln w="19050">
-                <a:solidFill>
-                  <a:schemeClr val="accent5">
-                    <a:lumMod val="50000"/>
-                  </a:schemeClr>
-                </a:solidFill>
-              </a:ln>
-            </p:spPr>
-            <p:txBody>
-              <a:bodyPr/>
-              <a:lstStyle/>
-              <a:p>
-                <a:r>
-                  <a:rPr lang="fr-FR">
-                    <a:noFill/>
-                  </a:rPr>
-                  <a:t> </a:t>
-                </a:r>
-              </a:p>
-            </p:txBody>
-          </p:sp>
-        </mc:Fallback>
-      </mc:AlternateContent>
-      <p:cxnSp>
-        <p:nvCxnSpPr>
-          <p:cNvPr id="7" name="Connecteur droit avec flèche 6">
-            <a:extLst>
-              <a:ext uri="{FF2B5EF4-FFF2-40B4-BE49-F238E27FC236}">
-                <a16:creationId xmlns:a16="http://schemas.microsoft.com/office/drawing/2014/main" id="{10A3B572-B004-4250-9019-27F2C2D5A5AF}"/>
-              </a:ext>
-            </a:extLst>
-          </p:cNvPr>
-          <p:cNvCxnSpPr>
-            <a:cxnSpLocks/>
-          </p:cNvCxnSpPr>
-          <p:nvPr/>
-        </p:nvCxnSpPr>
-        <p:spPr>
-          <a:xfrm>
-            <a:off x="323528" y="1556792"/>
-            <a:ext cx="756104" cy="0"/>
-          </a:xfrm>
-          <a:prstGeom prst="straightConnector1">
-            <a:avLst/>
-          </a:prstGeom>
-          <a:noFill/>
-          <a:ln w="19050">
-            <a:solidFill>
-              <a:schemeClr val="accent5">
-                <a:lumMod val="50000"/>
-              </a:schemeClr>
-            </a:solidFill>
-            <a:tailEnd type="stealth" w="med" len="lg"/>
-          </a:ln>
-        </p:spPr>
-        <p:style>
-          <a:lnRef idx="2">
-            <a:schemeClr val="accent1">
-              <a:shade val="50000"/>
-            </a:schemeClr>
-          </a:lnRef>
-          <a:fillRef idx="1">
-            <a:schemeClr val="accent1"/>
-          </a:fillRef>
-          <a:effectRef idx="0">
-            <a:schemeClr val="accent1"/>
-          </a:effectRef>
-          <a:fontRef idx="minor">
-            <a:schemeClr val="lt1"/>
-          </a:fontRef>
-        </p:style>
-      </p:cxnSp>
-      <p:cxnSp>
-        <p:nvCxnSpPr>
-          <p:cNvPr id="11" name="Connecteur droit avec flèche 10">
-            <a:extLst>
-              <a:ext uri="{FF2B5EF4-FFF2-40B4-BE49-F238E27FC236}">
-                <a16:creationId xmlns:a16="http://schemas.microsoft.com/office/drawing/2014/main" id="{2FF041CE-EFFF-42BA-AFA8-292B87D7377F}"/>
-              </a:ext>
-            </a:extLst>
-          </p:cNvPr>
-          <p:cNvCxnSpPr>
-            <a:cxnSpLocks/>
-            <a:stCxn id="4" idx="3"/>
-          </p:cNvCxnSpPr>
-          <p:nvPr/>
-        </p:nvCxnSpPr>
-        <p:spPr>
-          <a:xfrm>
-            <a:off x="2221829" y="1556792"/>
-            <a:ext cx="420473" cy="0"/>
-          </a:xfrm>
-          <a:prstGeom prst="straightConnector1">
-            <a:avLst/>
-          </a:prstGeom>
-          <a:noFill/>
-          <a:ln w="19050">
-            <a:solidFill>
-              <a:schemeClr val="accent5">
-                <a:lumMod val="50000"/>
-              </a:schemeClr>
-            </a:solidFill>
-            <a:tailEnd type="stealth" w="med" len="lg"/>
-          </a:ln>
-        </p:spPr>
-        <p:style>
-          <a:lnRef idx="2">
-            <a:schemeClr val="accent1">
-              <a:shade val="50000"/>
-            </a:schemeClr>
-          </a:lnRef>
-          <a:fillRef idx="1">
-            <a:schemeClr val="accent1"/>
-          </a:fillRef>
-          <a:effectRef idx="0">
-            <a:schemeClr val="accent1"/>
-          </a:effectRef>
-          <a:fontRef idx="minor">
-            <a:schemeClr val="lt1"/>
-          </a:fontRef>
-        </p:style>
-      </p:cxnSp>
-      <p:cxnSp>
-        <p:nvCxnSpPr>
-          <p:cNvPr id="12" name="Connecteur droit avec flèche 11">
-            <a:extLst>
-              <a:ext uri="{FF2B5EF4-FFF2-40B4-BE49-F238E27FC236}">
-                <a16:creationId xmlns:a16="http://schemas.microsoft.com/office/drawing/2014/main" id="{4B4CE46C-0426-4350-BA8B-333A1F2CFA61}"/>
-              </a:ext>
-            </a:extLst>
-          </p:cNvPr>
-          <p:cNvCxnSpPr>
-            <a:cxnSpLocks/>
-          </p:cNvCxnSpPr>
-          <p:nvPr/>
-        </p:nvCxnSpPr>
-        <p:spPr>
-          <a:xfrm flipV="1">
-            <a:off x="2834648" y="1728596"/>
-            <a:ext cx="0" cy="562150"/>
-          </a:xfrm>
-          <a:prstGeom prst="straightConnector1">
-            <a:avLst/>
-          </a:prstGeom>
-          <a:noFill/>
-          <a:ln w="19050">
-            <a:solidFill>
-              <a:schemeClr val="accent5">
-                <a:lumMod val="50000"/>
-              </a:schemeClr>
-            </a:solidFill>
-            <a:tailEnd type="stealth" w="med" len="lg"/>
-          </a:ln>
-        </p:spPr>
-        <p:style>
-          <a:lnRef idx="2">
-            <a:schemeClr val="accent1">
-              <a:shade val="50000"/>
-            </a:schemeClr>
-          </a:lnRef>
-          <a:fillRef idx="1">
-            <a:schemeClr val="accent1"/>
-          </a:fillRef>
-          <a:effectRef idx="0">
-            <a:schemeClr val="accent1"/>
-          </a:effectRef>
-          <a:fontRef idx="minor">
-            <a:schemeClr val="lt1"/>
-          </a:fontRef>
-        </p:style>
-      </p:cxnSp>
-      <p:cxnSp>
-        <p:nvCxnSpPr>
-          <p:cNvPr id="13" name="Connecteur droit avec flèche 12">
-            <a:extLst>
-              <a:ext uri="{FF2B5EF4-FFF2-40B4-BE49-F238E27FC236}">
-                <a16:creationId xmlns:a16="http://schemas.microsoft.com/office/drawing/2014/main" id="{B31CA231-C24C-4DDC-8903-D2BC01ED7280}"/>
-              </a:ext>
-            </a:extLst>
-          </p:cNvPr>
-          <p:cNvCxnSpPr>
-            <a:cxnSpLocks/>
-          </p:cNvCxnSpPr>
-          <p:nvPr/>
-        </p:nvCxnSpPr>
-        <p:spPr>
-          <a:xfrm>
-            <a:off x="4126227" y="1556377"/>
-            <a:ext cx="0" cy="727152"/>
-          </a:xfrm>
-          <a:prstGeom prst="straightConnector1">
-            <a:avLst/>
-          </a:prstGeom>
-          <a:noFill/>
-          <a:ln w="19050">
-            <a:solidFill>
-              <a:schemeClr val="accent5">
-                <a:lumMod val="50000"/>
-              </a:schemeClr>
-            </a:solidFill>
-            <a:tailEnd type="none" w="med" len="lg"/>
-          </a:ln>
-        </p:spPr>
-        <p:style>
-          <a:lnRef idx="2">
-            <a:schemeClr val="accent1">
-              <a:shade val="50000"/>
-            </a:schemeClr>
-          </a:lnRef>
-          <a:fillRef idx="1">
-            <a:schemeClr val="accent1"/>
-          </a:fillRef>
-          <a:effectRef idx="0">
-            <a:schemeClr val="accent1"/>
-          </a:effectRef>
-          <a:fontRef idx="minor">
-            <a:schemeClr val="lt1"/>
-          </a:fontRef>
-        </p:style>
-      </p:cxnSp>
-      <p:cxnSp>
-        <p:nvCxnSpPr>
-          <p:cNvPr id="14" name="Connecteur droit avec flèche 13">
-            <a:extLst>
-              <a:ext uri="{FF2B5EF4-FFF2-40B4-BE49-F238E27FC236}">
-                <a16:creationId xmlns:a16="http://schemas.microsoft.com/office/drawing/2014/main" id="{B3BCC8FF-C0CD-4146-87B7-49B3A54D6857}"/>
-              </a:ext>
-            </a:extLst>
-          </p:cNvPr>
-          <p:cNvCxnSpPr>
-            <a:cxnSpLocks/>
-          </p:cNvCxnSpPr>
-          <p:nvPr/>
-        </p:nvCxnSpPr>
-        <p:spPr>
-          <a:xfrm flipH="1">
-            <a:off x="3773109" y="2789754"/>
-            <a:ext cx="569179" cy="0"/>
-          </a:xfrm>
-          <a:prstGeom prst="straightConnector1">
-            <a:avLst/>
-          </a:prstGeom>
-          <a:noFill/>
-          <a:ln w="19050">
-            <a:solidFill>
-              <a:schemeClr val="accent5">
-                <a:lumMod val="50000"/>
-              </a:schemeClr>
-            </a:solidFill>
-            <a:tailEnd type="stealth" w="med" len="lg"/>
-          </a:ln>
-        </p:spPr>
-        <p:style>
-          <a:lnRef idx="2">
-            <a:schemeClr val="accent1">
-              <a:shade val="50000"/>
-            </a:schemeClr>
-          </a:lnRef>
-          <a:fillRef idx="1">
-            <a:schemeClr val="accent1"/>
-          </a:fillRef>
-          <a:effectRef idx="0">
-            <a:schemeClr val="accent1"/>
-          </a:effectRef>
-          <a:fontRef idx="minor">
-            <a:schemeClr val="lt1"/>
-          </a:fontRef>
-        </p:style>
-      </p:cxnSp>
-      <p:cxnSp>
-        <p:nvCxnSpPr>
-          <p:cNvPr id="15" name="Connecteur droit avec flèche 14">
-            <a:extLst>
-              <a:ext uri="{FF2B5EF4-FFF2-40B4-BE49-F238E27FC236}">
-                <a16:creationId xmlns:a16="http://schemas.microsoft.com/office/drawing/2014/main" id="{AF5E5775-8159-459F-A8CB-D04FAB9F875A}"/>
-              </a:ext>
-            </a:extLst>
-          </p:cNvPr>
-          <p:cNvCxnSpPr>
-            <a:cxnSpLocks/>
-            <a:endCxn id="8" idx="4"/>
-          </p:cNvCxnSpPr>
-          <p:nvPr/>
-        </p:nvCxnSpPr>
-        <p:spPr>
-          <a:xfrm flipV="1">
-            <a:off x="1259632" y="1736792"/>
-            <a:ext cx="0" cy="1052962"/>
-          </a:xfrm>
-          <a:prstGeom prst="straightConnector1">
-            <a:avLst/>
-          </a:prstGeom>
-          <a:noFill/>
-          <a:ln w="19050">
-            <a:solidFill>
-              <a:schemeClr val="accent5">
-                <a:lumMod val="50000"/>
-              </a:schemeClr>
-            </a:solidFill>
-            <a:tailEnd type="stealth" w="med" len="lg"/>
-          </a:ln>
-        </p:spPr>
-        <p:style>
-          <a:lnRef idx="2">
-            <a:schemeClr val="accent1">
-              <a:shade val="50000"/>
-            </a:schemeClr>
-          </a:lnRef>
-          <a:fillRef idx="1">
-            <a:schemeClr val="accent1"/>
-          </a:fillRef>
-          <a:effectRef idx="0">
-            <a:schemeClr val="accent1"/>
-          </a:effectRef>
-          <a:fontRef idx="minor">
-            <a:schemeClr val="lt1"/>
-          </a:fontRef>
-        </p:style>
-      </p:cxnSp>
-      <p:cxnSp>
-        <p:nvCxnSpPr>
-          <p:cNvPr id="16" name="Connecteur droit avec flèche 15">
-            <a:extLst>
-              <a:ext uri="{FF2B5EF4-FFF2-40B4-BE49-F238E27FC236}">
-                <a16:creationId xmlns:a16="http://schemas.microsoft.com/office/drawing/2014/main" id="{60D177C1-941F-45F0-AD71-241D40B480DD}"/>
-              </a:ext>
-            </a:extLst>
-          </p:cNvPr>
-          <p:cNvCxnSpPr>
-            <a:cxnSpLocks/>
-            <a:stCxn id="64" idx="1"/>
-          </p:cNvCxnSpPr>
-          <p:nvPr/>
-        </p:nvCxnSpPr>
-        <p:spPr>
-          <a:xfrm flipH="1">
-            <a:off x="1259632" y="2789754"/>
-            <a:ext cx="1996381" cy="0"/>
-          </a:xfrm>
-          <a:prstGeom prst="straightConnector1">
-            <a:avLst/>
-          </a:prstGeom>
-          <a:noFill/>
-          <a:ln w="19050">
-            <a:solidFill>
-              <a:schemeClr val="accent5">
-                <a:lumMod val="50000"/>
-              </a:schemeClr>
-            </a:solidFill>
-            <a:tailEnd type="none" w="med" len="lg"/>
-          </a:ln>
-        </p:spPr>
-        <p:style>
-          <a:lnRef idx="2">
-            <a:schemeClr val="accent1">
-              <a:shade val="50000"/>
-            </a:schemeClr>
-          </a:lnRef>
-          <a:fillRef idx="1">
-            <a:schemeClr val="accent1"/>
-          </a:fillRef>
-          <a:effectRef idx="0">
-            <a:schemeClr val="accent1"/>
-          </a:effectRef>
-          <a:fontRef idx="minor">
-            <a:schemeClr val="lt1"/>
-          </a:fontRef>
-        </p:style>
-      </p:cxnSp>
-      <mc:AlternateContent xmlns:mc="http://schemas.openxmlformats.org/markup-compatibility/2006" xmlns:a14="http://schemas.microsoft.com/office/drawing/2010/main">
-        <mc:Choice Requires="a14">
-          <p:sp>
-            <p:nvSpPr>
-              <p:cNvPr id="20" name="Rectangle 19">
-                <a:extLst>
-                  <a:ext uri="{FF2B5EF4-FFF2-40B4-BE49-F238E27FC236}">
-                    <a16:creationId xmlns:a16="http://schemas.microsoft.com/office/drawing/2014/main" id="{67306611-51B7-4AC4-8937-4144EBC09590}"/>
-                  </a:ext>
-                </a:extLst>
-              </p:cNvPr>
-              <p:cNvSpPr/>
-              <p:nvPr/>
-            </p:nvSpPr>
-            <p:spPr>
-              <a:xfrm>
-                <a:off x="213857" y="1183930"/>
-                <a:ext cx="713529" cy="369332"/>
-              </a:xfrm>
-              <a:prstGeom prst="rect">
-                <a:avLst/>
-              </a:prstGeom>
-            </p:spPr>
-            <p:txBody>
-              <a:bodyPr wrap="none">
-                <a:spAutoFit/>
-              </a:bodyPr>
-              <a:lstStyle/>
-              <a:p>
-                <a:pPr/>
-                <a14:m>
-                  <m:oMathPara xmlns:m="http://schemas.openxmlformats.org/officeDocument/2006/math">
-                    <m:oMathParaPr>
-                      <m:jc m:val="centerGroup"/>
-                    </m:oMathParaPr>
-                    <m:oMath xmlns:m="http://schemas.openxmlformats.org/officeDocument/2006/math">
-                      <m:r>
-                        <a:rPr lang="fr-FR" b="0" i="1" smtClean="0">
-                          <a:latin typeface="Cambria Math" panose="02040503050406030204" pitchFamily="18" charset="0"/>
-                        </a:rPr>
-                        <m:t>𝐸</m:t>
-                      </m:r>
-                      <m:d>
-                        <m:dPr>
-                          <m:ctrlPr>
-                            <a:rPr lang="fr-FR" i="1">
-                              <a:latin typeface="Cambria Math" panose="02040503050406030204" pitchFamily="18" charset="0"/>
-                            </a:rPr>
-                          </m:ctrlPr>
-                        </m:dPr>
-                        <m:e>
-                          <m:r>
-                            <a:rPr lang="fr-FR" i="1">
-                              <a:latin typeface="Cambria Math" panose="02040503050406030204" pitchFamily="18" charset="0"/>
-                            </a:rPr>
-                            <m:t>𝑝</m:t>
-                          </m:r>
-                        </m:e>
-                      </m:d>
-                    </m:oMath>
-                  </m:oMathPara>
-                </a14:m>
-                <a:endParaRPr lang="fr-FR" dirty="0"/>
-              </a:p>
-            </p:txBody>
-          </p:sp>
-        </mc:Choice>
-        <mc:Fallback xmlns="">
-          <p:sp>
-            <p:nvSpPr>
-              <p:cNvPr id="20" name="Rectangle 19">
-                <a:extLst>
-                  <a:ext uri="{FF2B5EF4-FFF2-40B4-BE49-F238E27FC236}">
-                    <a16:creationId xmlns:a16="http://schemas.microsoft.com/office/drawing/2014/main" id="{67306611-51B7-4AC4-8937-4144EBC09590}"/>
-                  </a:ext>
-                </a:extLst>
-              </p:cNvPr>
-              <p:cNvSpPr>
-                <a:spLocks noRot="1" noChangeAspect="1" noMove="1" noResize="1" noEditPoints="1" noAdjustHandles="1" noChangeArrowheads="1" noChangeShapeType="1" noTextEdit="1"/>
-              </p:cNvSpPr>
-              <p:nvPr/>
-            </p:nvSpPr>
-            <p:spPr>
-              <a:xfrm>
-                <a:off x="213857" y="1183930"/>
-                <a:ext cx="713529" cy="369332"/>
-              </a:xfrm>
-              <a:prstGeom prst="rect">
-                <a:avLst/>
-              </a:prstGeom>
-              <a:blipFill>
-                <a:blip r:embed="rId4"/>
                 <a:stretch>
                   <a:fillRect b="-6557"/>
                 </a:stretch>
@@ -5423,10 +4441,10 @@
       </mc:AlternateContent>
       <p:grpSp>
         <p:nvGrpSpPr>
-          <p:cNvPr id="34" name="Groupe 33">
-            <a:extLst>
-              <a:ext uri="{FF2B5EF4-FFF2-40B4-BE49-F238E27FC236}">
-                <a16:creationId xmlns:a16="http://schemas.microsoft.com/office/drawing/2014/main" id="{EAAA70CA-B9FB-47BC-BFD2-1070BD41C9A5}"/>
+          <p:cNvPr id="3" name="Groupe 2">
+            <a:extLst>
+              <a:ext uri="{FF2B5EF4-FFF2-40B4-BE49-F238E27FC236}">
+                <a16:creationId xmlns:a16="http://schemas.microsoft.com/office/drawing/2014/main" id="{DCE132E2-7682-4848-8FE6-C0DA2C4F8FD3}"/>
               </a:ext>
             </a:extLst>
           </p:cNvPr>
@@ -5435,18 +4453,18 @@
         </p:nvGrpSpPr>
         <p:grpSpPr>
           <a:xfrm>
-            <a:off x="978135" y="1376792"/>
-            <a:ext cx="811646" cy="423143"/>
-            <a:chOff x="978135" y="1376792"/>
-            <a:chExt cx="811646" cy="423143"/>
+            <a:off x="3594770" y="1290922"/>
+            <a:ext cx="713545" cy="437674"/>
+            <a:chOff x="3731495" y="1329598"/>
+            <a:chExt cx="713545" cy="437674"/>
           </a:xfrm>
         </p:grpSpPr>
         <p:sp>
           <p:nvSpPr>
-            <p:cNvPr id="8" name="Organigramme : Jonction de sommaire 7">
+            <p:cNvPr id="18" name="Organigramme : Jonction de sommaire 17">
               <a:extLst>
                 <a:ext uri="{FF2B5EF4-FFF2-40B4-BE49-F238E27FC236}">
-                  <a16:creationId xmlns:a16="http://schemas.microsoft.com/office/drawing/2014/main" id="{A7066168-3F7C-41D5-B50E-7B9CB1D5C47B}"/>
+                  <a16:creationId xmlns:a16="http://schemas.microsoft.com/office/drawing/2014/main" id="{5AC10C5C-2D07-4EF4-82BB-A70E273E5084}"/>
                 </a:ext>
               </a:extLst>
             </p:cNvPr>
@@ -5455,7 +4473,7 @@
           </p:nvSpPr>
           <p:spPr>
             <a:xfrm>
-              <a:off x="1079632" y="1376792"/>
+              <a:off x="3832992" y="1407272"/>
               <a:ext cx="360000" cy="360000"/>
             </a:xfrm>
             <a:prstGeom prst="flowChartSummingJunction">
@@ -5507,24 +4525,23 @@
         </p:sp>
         <p:cxnSp>
           <p:nvCxnSpPr>
-            <p:cNvPr id="10" name="Connecteur droit avec flèche 9">
+            <p:cNvPr id="19" name="Connecteur droit avec flèche 18">
               <a:extLst>
                 <a:ext uri="{FF2B5EF4-FFF2-40B4-BE49-F238E27FC236}">
-                  <a16:creationId xmlns:a16="http://schemas.microsoft.com/office/drawing/2014/main" id="{5480DBA4-CB1D-4C4A-8EB6-F1D9AF97A720}"/>
+                  <a16:creationId xmlns:a16="http://schemas.microsoft.com/office/drawing/2014/main" id="{3FB2B1CD-D8D7-489F-AD4C-A0784A8EA3D2}"/>
                 </a:ext>
               </a:extLst>
             </p:cNvPr>
             <p:cNvCxnSpPr>
               <a:cxnSpLocks/>
-              <a:stCxn id="8" idx="6"/>
-              <a:endCxn id="4" idx="1"/>
+              <a:stCxn id="18" idx="6"/>
             </p:cNvCxnSpPr>
             <p:nvPr/>
           </p:nvCxnSpPr>
           <p:spPr>
             <a:xfrm>
-              <a:off x="1439632" y="1556792"/>
-              <a:ext cx="350149" cy="0"/>
+              <a:off x="4192992" y="1587272"/>
+              <a:ext cx="252048" cy="0"/>
             </a:xfrm>
             <a:prstGeom prst="straightConnector1">
               <a:avLst/>
@@ -5556,14 +4573,14 @@
             </a:fontRef>
           </p:style>
         </p:cxnSp>
-        <mc:AlternateContent xmlns:mc="http://schemas.openxmlformats.org/markup-compatibility/2006" xmlns:a14="http://schemas.microsoft.com/office/drawing/2010/main">
-          <mc:Choice Requires="a14">
+        <mc:AlternateContent xmlns:mc="http://schemas.openxmlformats.org/markup-compatibility/2006">
+          <mc:Choice xmlns:a14="http://schemas.microsoft.com/office/drawing/2010/main" Requires="a14">
             <p:sp>
               <p:nvSpPr>
-                <p:cNvPr id="21" name="Rectangle 20">
+                <p:cNvPr id="24" name="Rectangle 23">
                   <a:extLst>
                     <a:ext uri="{FF2B5EF4-FFF2-40B4-BE49-F238E27FC236}">
-                      <a16:creationId xmlns:a16="http://schemas.microsoft.com/office/drawing/2014/main" id="{64E497A9-0475-4DB4-BE70-E9C7DA338139}"/>
+                      <a16:creationId xmlns:a16="http://schemas.microsoft.com/office/drawing/2014/main" id="{001C46AC-E4AE-4872-836C-9DF49FE16CAC}"/>
                     </a:ext>
                   </a:extLst>
                 </p:cNvPr>
@@ -5572,7 +4589,7 @@
               </p:nvSpPr>
               <p:spPr>
                 <a:xfrm>
-                  <a:off x="978135" y="1388863"/>
+                  <a:off x="3731495" y="1419343"/>
                   <a:ext cx="359393" cy="307777"/>
                 </a:xfrm>
                 <a:prstGeom prst="rect">
@@ -5606,13 +4623,13 @@
               </p:txBody>
             </p:sp>
           </mc:Choice>
-          <mc:Fallback xmlns="">
+          <mc:Fallback>
             <p:sp>
               <p:nvSpPr>
-                <p:cNvPr id="21" name="Rectangle 20">
+                <p:cNvPr id="24" name="Rectangle 23">
                   <a:extLst>
                     <a:ext uri="{FF2B5EF4-FFF2-40B4-BE49-F238E27FC236}">
-                      <a16:creationId xmlns:a16="http://schemas.microsoft.com/office/drawing/2014/main" id="{64E497A9-0475-4DB4-BE70-E9C7DA338139}"/>
+                      <a16:creationId xmlns:a16="http://schemas.microsoft.com/office/drawing/2014/main" id="{001C46AC-E4AE-4872-836C-9DF49FE16CAC}"/>
                     </a:ext>
                   </a:extLst>
                 </p:cNvPr>
@@ -5623,542 +4640,7 @@
               </p:nvSpPr>
               <p:spPr>
                 <a:xfrm>
-                  <a:off x="978135" y="1388863"/>
-                  <a:ext cx="359393" cy="307777"/>
-                </a:xfrm>
-                <a:prstGeom prst="rect">
-                  <a:avLst/>
-                </a:prstGeom>
-                <a:blipFill>
-                  <a:blip r:embed="rId5"/>
-                  <a:stretch>
-                    <a:fillRect/>
-                  </a:stretch>
-                </a:blipFill>
-              </p:spPr>
-              <p:txBody>
-                <a:bodyPr/>
-                <a:lstStyle/>
-                <a:p>
-                  <a:r>
-                    <a:rPr lang="fr-FR">
-                      <a:noFill/>
-                    </a:rPr>
-                    <a:t> </a:t>
-                  </a:r>
-                </a:p>
-              </p:txBody>
-            </p:sp>
-          </mc:Fallback>
-        </mc:AlternateContent>
-        <mc:AlternateContent xmlns:mc="http://schemas.openxmlformats.org/markup-compatibility/2006" xmlns:a14="http://schemas.microsoft.com/office/drawing/2010/main">
-          <mc:Choice Requires="a14">
-            <p:sp>
-              <p:nvSpPr>
-                <p:cNvPr id="22" name="Rectangle 21">
-                  <a:extLst>
-                    <a:ext uri="{FF2B5EF4-FFF2-40B4-BE49-F238E27FC236}">
-                      <a16:creationId xmlns:a16="http://schemas.microsoft.com/office/drawing/2014/main" id="{01577BAC-2632-479B-91CC-8C9A54B1C9EE}"/>
-                    </a:ext>
-                  </a:extLst>
-                </p:cNvPr>
-                <p:cNvSpPr/>
-                <p:nvPr/>
-              </p:nvSpPr>
-              <p:spPr>
-                <a:xfrm>
-                  <a:off x="1080478" y="1492158"/>
-                  <a:ext cx="359393" cy="307777"/>
-                </a:xfrm>
-                <a:prstGeom prst="rect">
-                  <a:avLst/>
-                </a:prstGeom>
-              </p:spPr>
-              <p:txBody>
-                <a:bodyPr wrap="none">
-                  <a:spAutoFit/>
-                </a:bodyPr>
-                <a:lstStyle/>
-                <a:p>
-                  <a:pPr/>
-                  <a14:m>
-                    <m:oMathPara xmlns:m="http://schemas.openxmlformats.org/officeDocument/2006/math">
-                      <m:oMathParaPr>
-                        <m:jc m:val="centerGroup"/>
-                      </m:oMathParaPr>
-                      <m:oMath xmlns:m="http://schemas.openxmlformats.org/officeDocument/2006/math">
-                        <m:r>
-                          <a:rPr lang="fr-FR" sz="1400" b="0" i="1" smtClean="0">
-                            <a:latin typeface="Cambria Math" panose="02040503050406030204" pitchFamily="18" charset="0"/>
-                          </a:rPr>
-                          <m:t>−</m:t>
-                        </m:r>
-                      </m:oMath>
-                    </m:oMathPara>
-                  </a14:m>
-                  <a:endParaRPr lang="fr-FR" sz="1400" dirty="0"/>
-                </a:p>
-              </p:txBody>
-            </p:sp>
-          </mc:Choice>
-          <mc:Fallback xmlns="">
-            <p:sp>
-              <p:nvSpPr>
-                <p:cNvPr id="22" name="Rectangle 21">
-                  <a:extLst>
-                    <a:ext uri="{FF2B5EF4-FFF2-40B4-BE49-F238E27FC236}">
-                      <a16:creationId xmlns:a16="http://schemas.microsoft.com/office/drawing/2014/main" id="{01577BAC-2632-479B-91CC-8C9A54B1C9EE}"/>
-                    </a:ext>
-                  </a:extLst>
-                </p:cNvPr>
-                <p:cNvSpPr>
-                  <a:spLocks noRot="1" noChangeAspect="1" noMove="1" noResize="1" noEditPoints="1" noAdjustHandles="1" noChangeArrowheads="1" noChangeShapeType="1" noTextEdit="1"/>
-                </p:cNvSpPr>
-                <p:nvPr/>
-              </p:nvSpPr>
-              <p:spPr>
-                <a:xfrm>
-                  <a:off x="1080478" y="1492158"/>
-                  <a:ext cx="359393" cy="307777"/>
-                </a:xfrm>
-                <a:prstGeom prst="rect">
-                  <a:avLst/>
-                </a:prstGeom>
-                <a:blipFill>
-                  <a:blip r:embed="rId6"/>
-                  <a:stretch>
-                    <a:fillRect/>
-                  </a:stretch>
-                </a:blipFill>
-              </p:spPr>
-              <p:txBody>
-                <a:bodyPr/>
-                <a:lstStyle/>
-                <a:p>
-                  <a:r>
-                    <a:rPr lang="fr-FR">
-                      <a:noFill/>
-                    </a:rPr>
-                    <a:t> </a:t>
-                  </a:r>
-                </a:p>
-              </p:txBody>
-            </p:sp>
-          </mc:Fallback>
-        </mc:AlternateContent>
-      </p:grpSp>
-      <mc:AlternateContent xmlns:mc="http://schemas.openxmlformats.org/markup-compatibility/2006" xmlns:a14="http://schemas.microsoft.com/office/drawing/2010/main">
-        <mc:Choice Requires="a14">
-          <p:sp>
-            <p:nvSpPr>
-              <p:cNvPr id="30" name="Rectangle 29">
-                <a:extLst>
-                  <a:ext uri="{FF2B5EF4-FFF2-40B4-BE49-F238E27FC236}">
-                    <a16:creationId xmlns:a16="http://schemas.microsoft.com/office/drawing/2014/main" id="{CB17B3FC-7993-4EDC-8AE2-10659AA33B19}"/>
-                  </a:ext>
-                </a:extLst>
-              </p:cNvPr>
-              <p:cNvSpPr/>
-              <p:nvPr/>
-            </p:nvSpPr>
-            <p:spPr>
-              <a:xfrm>
-                <a:off x="4020679" y="1181158"/>
-                <a:ext cx="674031" cy="369332"/>
-              </a:xfrm>
-              <a:prstGeom prst="rect">
-                <a:avLst/>
-              </a:prstGeom>
-            </p:spPr>
-            <p:txBody>
-              <a:bodyPr wrap="none">
-                <a:spAutoFit/>
-              </a:bodyPr>
-              <a:lstStyle/>
-              <a:p>
-                <a:pPr/>
-                <a14:m>
-                  <m:oMathPara xmlns:m="http://schemas.openxmlformats.org/officeDocument/2006/math">
-                    <m:oMathParaPr>
-                      <m:jc m:val="centerGroup"/>
-                    </m:oMathParaPr>
-                    <m:oMath xmlns:m="http://schemas.openxmlformats.org/officeDocument/2006/math">
-                      <m:r>
-                        <m:rPr>
-                          <m:sty m:val="p"/>
-                        </m:rPr>
-                        <a:rPr lang="fr-FR" b="0" i="0" smtClean="0">
-                          <a:latin typeface="Cambria Math" panose="02040503050406030204" pitchFamily="18" charset="0"/>
-                        </a:rPr>
-                        <m:t>S</m:t>
-                      </m:r>
-                      <m:d>
-                        <m:dPr>
-                          <m:ctrlPr>
-                            <a:rPr lang="fr-FR" i="1">
-                              <a:latin typeface="Cambria Math" panose="02040503050406030204" pitchFamily="18" charset="0"/>
-                            </a:rPr>
-                          </m:ctrlPr>
-                        </m:dPr>
-                        <m:e>
-                          <m:r>
-                            <a:rPr lang="fr-FR" i="1">
-                              <a:latin typeface="Cambria Math" panose="02040503050406030204" pitchFamily="18" charset="0"/>
-                            </a:rPr>
-                            <m:t>𝑝</m:t>
-                          </m:r>
-                        </m:e>
-                      </m:d>
-                    </m:oMath>
-                  </m:oMathPara>
-                </a14:m>
-                <a:endParaRPr lang="fr-FR" dirty="0"/>
-              </a:p>
-            </p:txBody>
-          </p:sp>
-        </mc:Choice>
-        <mc:Fallback xmlns="">
-          <p:sp>
-            <p:nvSpPr>
-              <p:cNvPr id="30" name="Rectangle 29">
-                <a:extLst>
-                  <a:ext uri="{FF2B5EF4-FFF2-40B4-BE49-F238E27FC236}">
-                    <a16:creationId xmlns:a16="http://schemas.microsoft.com/office/drawing/2014/main" id="{CB17B3FC-7993-4EDC-8AE2-10659AA33B19}"/>
-                  </a:ext>
-                </a:extLst>
-              </p:cNvPr>
-              <p:cNvSpPr>
-                <a:spLocks noRot="1" noChangeAspect="1" noMove="1" noResize="1" noEditPoints="1" noAdjustHandles="1" noChangeArrowheads="1" noChangeShapeType="1" noTextEdit="1"/>
-              </p:cNvSpPr>
-              <p:nvPr/>
-            </p:nvSpPr>
-            <p:spPr>
-              <a:xfrm>
-                <a:off x="4020679" y="1181158"/>
-                <a:ext cx="674031" cy="369332"/>
-              </a:xfrm>
-              <a:prstGeom prst="rect">
-                <a:avLst/>
-              </a:prstGeom>
-              <a:blipFill>
-                <a:blip r:embed="rId7"/>
-                <a:stretch>
-                  <a:fillRect b="-6667"/>
-                </a:stretch>
-              </a:blipFill>
-            </p:spPr>
-            <p:txBody>
-              <a:bodyPr/>
-              <a:lstStyle/>
-              <a:p>
-                <a:r>
-                  <a:rPr lang="fr-FR">
-                    <a:noFill/>
-                  </a:rPr>
-                  <a:t> </a:t>
-                </a:r>
-              </a:p>
-            </p:txBody>
-          </p:sp>
-        </mc:Fallback>
-      </mc:AlternateContent>
-      <p:grpSp>
-        <p:nvGrpSpPr>
-          <p:cNvPr id="35" name="Groupe 34">
-            <a:extLst>
-              <a:ext uri="{FF2B5EF4-FFF2-40B4-BE49-F238E27FC236}">
-                <a16:creationId xmlns:a16="http://schemas.microsoft.com/office/drawing/2014/main" id="{44FC9ED3-042E-47D9-A507-5C272EEF4E2E}"/>
-              </a:ext>
-            </a:extLst>
-          </p:cNvPr>
-          <p:cNvGrpSpPr/>
-          <p:nvPr/>
-        </p:nvGrpSpPr>
-        <p:grpSpPr>
-          <a:xfrm>
-            <a:off x="2546820" y="1368596"/>
-            <a:ext cx="713545" cy="423143"/>
-            <a:chOff x="978135" y="1376792"/>
-            <a:chExt cx="713545" cy="423143"/>
-          </a:xfrm>
-        </p:grpSpPr>
-        <p:sp>
-          <p:nvSpPr>
-            <p:cNvPr id="36" name="Organigramme : Jonction de sommaire 35">
-              <a:extLst>
-                <a:ext uri="{FF2B5EF4-FFF2-40B4-BE49-F238E27FC236}">
-                  <a16:creationId xmlns:a16="http://schemas.microsoft.com/office/drawing/2014/main" id="{35540E20-2C83-4B50-B339-552B37A99598}"/>
-                </a:ext>
-              </a:extLst>
-            </p:cNvPr>
-            <p:cNvSpPr/>
-            <p:nvPr/>
-          </p:nvSpPr>
-          <p:spPr>
-            <a:xfrm>
-              <a:off x="1079632" y="1376792"/>
-              <a:ext cx="360000" cy="360000"/>
-            </a:xfrm>
-            <a:prstGeom prst="flowChartSummingJunction">
-              <a:avLst/>
-            </a:prstGeom>
-            <a:noFill/>
-            <a:ln w="19050">
-              <a:solidFill>
-                <a:schemeClr val="accent5">
-                  <a:lumMod val="50000"/>
-                </a:schemeClr>
-              </a:solidFill>
-            </a:ln>
-          </p:spPr>
-          <p:style>
-            <a:lnRef idx="2">
-              <a:schemeClr val="accent1">
-                <a:shade val="50000"/>
-              </a:schemeClr>
-            </a:lnRef>
-            <a:fillRef idx="1">
-              <a:schemeClr val="accent1"/>
-            </a:fillRef>
-            <a:effectRef idx="0">
-              <a:schemeClr val="accent1"/>
-            </a:effectRef>
-            <a:fontRef idx="minor">
-              <a:schemeClr val="lt1"/>
-            </a:fontRef>
-          </p:style>
-          <p:txBody>
-            <a:bodyPr rot="0" spcFirstLastPara="0" vertOverflow="overflow" horzOverflow="overflow" vert="horz" wrap="square" lIns="91440" tIns="45720" rIns="91440" bIns="45720" numCol="1" spcCol="0" rtlCol="0" fromWordArt="0" anchor="ctr" anchorCtr="0" forceAA="0" compatLnSpc="1">
-              <a:prstTxWarp prst="textNoShape">
-                <a:avLst/>
-              </a:prstTxWarp>
-              <a:noAutofit/>
-            </a:bodyPr>
-            <a:lstStyle/>
-            <a:p>
-              <a:pPr algn="ctr"/>
-              <a:endParaRPr lang="fr-FR" i="1">
-                <a:solidFill>
-                  <a:schemeClr val="tx1"/>
-                </a:solidFill>
-                <a:latin typeface="Cambria Math" panose="02040503050406030204" pitchFamily="18" charset="0"/>
-              </a:endParaRPr>
-            </a:p>
-          </p:txBody>
-        </p:sp>
-        <p:cxnSp>
-          <p:nvCxnSpPr>
-            <p:cNvPr id="37" name="Connecteur droit avec flèche 36">
-              <a:extLst>
-                <a:ext uri="{FF2B5EF4-FFF2-40B4-BE49-F238E27FC236}">
-                  <a16:creationId xmlns:a16="http://schemas.microsoft.com/office/drawing/2014/main" id="{6F3F33CF-3C01-488F-845D-FB956DB3A0F5}"/>
-                </a:ext>
-              </a:extLst>
-            </p:cNvPr>
-            <p:cNvCxnSpPr>
-              <a:cxnSpLocks/>
-              <a:stCxn id="36" idx="6"/>
-            </p:cNvCxnSpPr>
-            <p:nvPr/>
-          </p:nvCxnSpPr>
-          <p:spPr>
-            <a:xfrm>
-              <a:off x="1439632" y="1556792"/>
-              <a:ext cx="252048" cy="0"/>
-            </a:xfrm>
-            <a:prstGeom prst="straightConnector1">
-              <a:avLst/>
-            </a:prstGeom>
-            <a:noFill/>
-            <a:ln w="19050">
-              <a:solidFill>
-                <a:schemeClr val="accent5">
-                  <a:lumMod val="50000"/>
-                </a:schemeClr>
-              </a:solidFill>
-              <a:tailEnd type="stealth" w="med" len="lg"/>
-            </a:ln>
-          </p:spPr>
-          <p:style>
-            <a:lnRef idx="2">
-              <a:schemeClr val="accent1">
-                <a:shade val="50000"/>
-              </a:schemeClr>
-            </a:lnRef>
-            <a:fillRef idx="1">
-              <a:schemeClr val="accent1"/>
-            </a:fillRef>
-            <a:effectRef idx="0">
-              <a:schemeClr val="accent1"/>
-            </a:effectRef>
-            <a:fontRef idx="minor">
-              <a:schemeClr val="lt1"/>
-            </a:fontRef>
-          </p:style>
-        </p:cxnSp>
-        <mc:AlternateContent xmlns:mc="http://schemas.openxmlformats.org/markup-compatibility/2006" xmlns:a14="http://schemas.microsoft.com/office/drawing/2010/main">
-          <mc:Choice Requires="a14">
-            <p:sp>
-              <p:nvSpPr>
-                <p:cNvPr id="38" name="Rectangle 37">
-                  <a:extLst>
-                    <a:ext uri="{FF2B5EF4-FFF2-40B4-BE49-F238E27FC236}">
-                      <a16:creationId xmlns:a16="http://schemas.microsoft.com/office/drawing/2014/main" id="{6D407953-E284-497D-86BE-9EC02B14B6D7}"/>
-                    </a:ext>
-                  </a:extLst>
-                </p:cNvPr>
-                <p:cNvSpPr/>
-                <p:nvPr/>
-              </p:nvSpPr>
-              <p:spPr>
-                <a:xfrm>
-                  <a:off x="978135" y="1388863"/>
-                  <a:ext cx="359393" cy="307777"/>
-                </a:xfrm>
-                <a:prstGeom prst="rect">
-                  <a:avLst/>
-                </a:prstGeom>
-              </p:spPr>
-              <p:txBody>
-                <a:bodyPr wrap="none">
-                  <a:spAutoFit/>
-                </a:bodyPr>
-                <a:lstStyle/>
-                <a:p>
-                  <a:pPr/>
-                  <a14:m>
-                    <m:oMathPara xmlns:m="http://schemas.openxmlformats.org/officeDocument/2006/math">
-                      <m:oMathParaPr>
-                        <m:jc m:val="centerGroup"/>
-                      </m:oMathParaPr>
-                      <m:oMath xmlns:m="http://schemas.openxmlformats.org/officeDocument/2006/math">
-                        <m:r>
-                          <a:rPr lang="fr-FR" sz="1400" b="1" i="0" smtClean="0">
-                            <a:latin typeface="Cambria Math" panose="02040503050406030204" pitchFamily="18" charset="0"/>
-                          </a:rPr>
-                          <m:t>+</m:t>
-                        </m:r>
-                      </m:oMath>
-                    </m:oMathPara>
-                  </a14:m>
-                  <a:endParaRPr lang="fr-FR" sz="1400" b="1" dirty="0"/>
-                </a:p>
-              </p:txBody>
-            </p:sp>
-          </mc:Choice>
-          <mc:Fallback xmlns="">
-            <p:sp>
-              <p:nvSpPr>
-                <p:cNvPr id="38" name="Rectangle 37">
-                  <a:extLst>
-                    <a:ext uri="{FF2B5EF4-FFF2-40B4-BE49-F238E27FC236}">
-                      <a16:creationId xmlns:a16="http://schemas.microsoft.com/office/drawing/2014/main" id="{6D407953-E284-497D-86BE-9EC02B14B6D7}"/>
-                    </a:ext>
-                  </a:extLst>
-                </p:cNvPr>
-                <p:cNvSpPr>
-                  <a:spLocks noRot="1" noChangeAspect="1" noMove="1" noResize="1" noEditPoints="1" noAdjustHandles="1" noChangeArrowheads="1" noChangeShapeType="1" noTextEdit="1"/>
-                </p:cNvSpPr>
-                <p:nvPr/>
-              </p:nvSpPr>
-              <p:spPr>
-                <a:xfrm>
-                  <a:off x="978135" y="1388863"/>
-                  <a:ext cx="359393" cy="307777"/>
-                </a:xfrm>
-                <a:prstGeom prst="rect">
-                  <a:avLst/>
-                </a:prstGeom>
-                <a:blipFill>
-                  <a:blip r:embed="rId8"/>
-                  <a:stretch>
-                    <a:fillRect/>
-                  </a:stretch>
-                </a:blipFill>
-              </p:spPr>
-              <p:txBody>
-                <a:bodyPr/>
-                <a:lstStyle/>
-                <a:p>
-                  <a:r>
-                    <a:rPr lang="fr-FR">
-                      <a:noFill/>
-                    </a:rPr>
-                    <a:t> </a:t>
-                  </a:r>
-                </a:p>
-              </p:txBody>
-            </p:sp>
-          </mc:Fallback>
-        </mc:AlternateContent>
-        <mc:AlternateContent xmlns:mc="http://schemas.openxmlformats.org/markup-compatibility/2006" xmlns:a14="http://schemas.microsoft.com/office/drawing/2010/main">
-          <mc:Choice Requires="a14">
-            <p:sp>
-              <p:nvSpPr>
-                <p:cNvPr id="39" name="Rectangle 38">
-                  <a:extLst>
-                    <a:ext uri="{FF2B5EF4-FFF2-40B4-BE49-F238E27FC236}">
-                      <a16:creationId xmlns:a16="http://schemas.microsoft.com/office/drawing/2014/main" id="{A67EA2BC-7C26-44BD-AE55-3172F18252C0}"/>
-                    </a:ext>
-                  </a:extLst>
-                </p:cNvPr>
-                <p:cNvSpPr/>
-                <p:nvPr/>
-              </p:nvSpPr>
-              <p:spPr>
-                <a:xfrm>
-                  <a:off x="1080478" y="1492158"/>
-                  <a:ext cx="359393" cy="307777"/>
-                </a:xfrm>
-                <a:prstGeom prst="rect">
-                  <a:avLst/>
-                </a:prstGeom>
-              </p:spPr>
-              <p:txBody>
-                <a:bodyPr wrap="none">
-                  <a:spAutoFit/>
-                </a:bodyPr>
-                <a:lstStyle/>
-                <a:p>
-                  <a:pPr/>
-                  <a14:m>
-                    <m:oMathPara xmlns:m="http://schemas.openxmlformats.org/officeDocument/2006/math">
-                      <m:oMathParaPr>
-                        <m:jc m:val="centerGroup"/>
-                      </m:oMathParaPr>
-                      <m:oMath xmlns:m="http://schemas.openxmlformats.org/officeDocument/2006/math">
-                        <m:r>
-                          <a:rPr lang="fr-FR" sz="1400" b="0" i="1" smtClean="0">
-                            <a:latin typeface="Cambria Math" panose="02040503050406030204" pitchFamily="18" charset="0"/>
-                          </a:rPr>
-                          <m:t>−</m:t>
-                        </m:r>
-                      </m:oMath>
-                    </m:oMathPara>
-                  </a14:m>
-                  <a:endParaRPr lang="fr-FR" sz="1400" dirty="0"/>
-                </a:p>
-              </p:txBody>
-            </p:sp>
-          </mc:Choice>
-          <mc:Fallback xmlns="">
-            <p:sp>
-              <p:nvSpPr>
-                <p:cNvPr id="39" name="Rectangle 38">
-                  <a:extLst>
-                    <a:ext uri="{FF2B5EF4-FFF2-40B4-BE49-F238E27FC236}">
-                      <a16:creationId xmlns:a16="http://schemas.microsoft.com/office/drawing/2014/main" id="{A67EA2BC-7C26-44BD-AE55-3172F18252C0}"/>
-                    </a:ext>
-                  </a:extLst>
-                </p:cNvPr>
-                <p:cNvSpPr>
-                  <a:spLocks noRot="1" noChangeAspect="1" noMove="1" noResize="1" noEditPoints="1" noAdjustHandles="1" noChangeArrowheads="1" noChangeShapeType="1" noTextEdit="1"/>
-                </p:cNvSpPr>
-                <p:nvPr/>
-              </p:nvSpPr>
-              <p:spPr>
-                <a:xfrm>
-                  <a:off x="1080478" y="1492158"/>
+                  <a:off x="3731495" y="1419343"/>
                   <a:ext cx="359393" cy="307777"/>
                 </a:xfrm>
                 <a:prstGeom prst="rect">
@@ -6186,15 +4668,209 @@
             </p:sp>
           </mc:Fallback>
         </mc:AlternateContent>
+        <mc:AlternateContent xmlns:mc="http://schemas.openxmlformats.org/markup-compatibility/2006">
+          <mc:Choice xmlns:a14="http://schemas.microsoft.com/office/drawing/2010/main" Requires="a14">
+            <p:sp>
+              <p:nvSpPr>
+                <p:cNvPr id="25" name="Rectangle 24">
+                  <a:extLst>
+                    <a:ext uri="{FF2B5EF4-FFF2-40B4-BE49-F238E27FC236}">
+                      <a16:creationId xmlns:a16="http://schemas.microsoft.com/office/drawing/2014/main" id="{BB96C0D6-BF54-49F6-B354-3E822A9F4A86}"/>
+                    </a:ext>
+                  </a:extLst>
+                </p:cNvPr>
+                <p:cNvSpPr/>
+                <p:nvPr/>
+              </p:nvSpPr>
+              <p:spPr>
+                <a:xfrm>
+                  <a:off x="3833838" y="1329598"/>
+                  <a:ext cx="359394" cy="307777"/>
+                </a:xfrm>
+                <a:prstGeom prst="rect">
+                  <a:avLst/>
+                </a:prstGeom>
+              </p:spPr>
+              <p:txBody>
+                <a:bodyPr wrap="none">
+                  <a:spAutoFit/>
+                </a:bodyPr>
+                <a:lstStyle/>
+                <a:p>
+                  <a:pPr/>
+                  <a14:m>
+                    <m:oMathPara xmlns:m="http://schemas.openxmlformats.org/officeDocument/2006/math">
+                      <m:oMathParaPr>
+                        <m:jc m:val="centerGroup"/>
+                      </m:oMathParaPr>
+                      <m:oMath xmlns:m="http://schemas.openxmlformats.org/officeDocument/2006/math">
+                        <m:r>
+                          <a:rPr lang="fr-FR" sz="1400" b="0" i="1" smtClean="0">
+                            <a:latin typeface="Cambria Math" panose="02040503050406030204" pitchFamily="18" charset="0"/>
+                          </a:rPr>
+                          <m:t>+</m:t>
+                        </m:r>
+                      </m:oMath>
+                    </m:oMathPara>
+                  </a14:m>
+                  <a:endParaRPr lang="fr-FR" sz="1400" dirty="0"/>
+                </a:p>
+              </p:txBody>
+            </p:sp>
+          </mc:Choice>
+          <mc:Fallback>
+            <p:sp>
+              <p:nvSpPr>
+                <p:cNvPr id="25" name="Rectangle 24">
+                  <a:extLst>
+                    <a:ext uri="{FF2B5EF4-FFF2-40B4-BE49-F238E27FC236}">
+                      <a16:creationId xmlns:a16="http://schemas.microsoft.com/office/drawing/2014/main" id="{BB96C0D6-BF54-49F6-B354-3E822A9F4A86}"/>
+                    </a:ext>
+                  </a:extLst>
+                </p:cNvPr>
+                <p:cNvSpPr>
+                  <a:spLocks noRot="1" noChangeAspect="1" noMove="1" noResize="1" noEditPoints="1" noAdjustHandles="1" noChangeArrowheads="1" noChangeShapeType="1" noTextEdit="1"/>
+                </p:cNvSpPr>
+                <p:nvPr/>
+              </p:nvSpPr>
+              <p:spPr>
+                <a:xfrm>
+                  <a:off x="3833838" y="1329598"/>
+                  <a:ext cx="359394" cy="307777"/>
+                </a:xfrm>
+                <a:prstGeom prst="rect">
+                  <a:avLst/>
+                </a:prstGeom>
+                <a:blipFill>
+                  <a:blip r:embed="rId10"/>
+                  <a:stretch>
+                    <a:fillRect/>
+                  </a:stretch>
+                </a:blipFill>
+              </p:spPr>
+              <p:txBody>
+                <a:bodyPr/>
+                <a:lstStyle/>
+                <a:p>
+                  <a:r>
+                    <a:rPr lang="fr-FR">
+                      <a:noFill/>
+                    </a:rPr>
+                    <a:t> </a:t>
+                  </a:r>
+                </a:p>
+              </p:txBody>
+            </p:sp>
+          </mc:Fallback>
+        </mc:AlternateContent>
       </p:grpSp>
-      <mc:AlternateContent xmlns:mc="http://schemas.openxmlformats.org/markup-compatibility/2006" xmlns:a14="http://schemas.microsoft.com/office/drawing/2010/main">
-        <mc:Choice Requires="a14">
+      <p:cxnSp>
+        <p:nvCxnSpPr>
+          <p:cNvPr id="26" name="Connecteur droit avec flèche 25">
+            <a:extLst>
+              <a:ext uri="{FF2B5EF4-FFF2-40B4-BE49-F238E27FC236}">
+                <a16:creationId xmlns:a16="http://schemas.microsoft.com/office/drawing/2014/main" id="{CA23F5A3-A695-4ADC-9519-7155172B1622}"/>
+              </a:ext>
+            </a:extLst>
+          </p:cNvPr>
+          <p:cNvCxnSpPr>
+            <a:cxnSpLocks/>
+            <a:stCxn id="4" idx="3"/>
+          </p:cNvCxnSpPr>
+          <p:nvPr/>
+        </p:nvCxnSpPr>
+        <p:spPr>
+          <a:xfrm flipV="1">
+            <a:off x="3082283" y="1553262"/>
+            <a:ext cx="634966" cy="3530"/>
+          </a:xfrm>
+          <a:prstGeom prst="straightConnector1">
+            <a:avLst/>
+          </a:prstGeom>
+          <a:noFill/>
+          <a:ln w="19050">
+            <a:solidFill>
+              <a:schemeClr val="accent5">
+                <a:lumMod val="50000"/>
+              </a:schemeClr>
+            </a:solidFill>
+            <a:tailEnd type="stealth" w="med" len="lg"/>
+          </a:ln>
+        </p:spPr>
+        <p:style>
+          <a:lnRef idx="2">
+            <a:schemeClr val="accent1">
+              <a:shade val="50000"/>
+            </a:schemeClr>
+          </a:lnRef>
+          <a:fillRef idx="1">
+            <a:schemeClr val="accent1"/>
+          </a:fillRef>
+          <a:effectRef idx="0">
+            <a:schemeClr val="accent1"/>
+          </a:effectRef>
+          <a:fontRef idx="minor">
+            <a:schemeClr val="lt1"/>
+          </a:fontRef>
+        </p:style>
+      </p:cxnSp>
+      <p:cxnSp>
+        <p:nvCxnSpPr>
+          <p:cNvPr id="27" name="Connecteur droit avec flèche 26">
+            <a:extLst>
+              <a:ext uri="{FF2B5EF4-FFF2-40B4-BE49-F238E27FC236}">
+                <a16:creationId xmlns:a16="http://schemas.microsoft.com/office/drawing/2014/main" id="{B79C9DD5-7D91-434B-9EC2-03B9EDD47060}"/>
+              </a:ext>
+            </a:extLst>
+          </p:cNvPr>
+          <p:cNvCxnSpPr>
+            <a:cxnSpLocks/>
+          </p:cNvCxnSpPr>
+          <p:nvPr/>
+        </p:nvCxnSpPr>
+        <p:spPr>
+          <a:xfrm>
+            <a:off x="3876810" y="532435"/>
+            <a:ext cx="0" cy="836161"/>
+          </a:xfrm>
+          <a:prstGeom prst="straightConnector1">
+            <a:avLst/>
+          </a:prstGeom>
+          <a:noFill/>
+          <a:ln w="19050">
+            <a:solidFill>
+              <a:schemeClr val="accent5">
+                <a:lumMod val="50000"/>
+              </a:schemeClr>
+            </a:solidFill>
+            <a:tailEnd type="stealth" w="med" len="lg"/>
+          </a:ln>
+        </p:spPr>
+        <p:style>
+          <a:lnRef idx="2">
+            <a:schemeClr val="accent1">
+              <a:shade val="50000"/>
+            </a:schemeClr>
+          </a:lnRef>
+          <a:fillRef idx="1">
+            <a:schemeClr val="accent1"/>
+          </a:fillRef>
+          <a:effectRef idx="0">
+            <a:schemeClr val="accent1"/>
+          </a:effectRef>
+          <a:fontRef idx="minor">
+            <a:schemeClr val="lt1"/>
+          </a:fontRef>
+        </p:style>
+      </p:cxnSp>
+      <mc:AlternateContent xmlns:mc="http://schemas.openxmlformats.org/markup-compatibility/2006">
+        <mc:Choice xmlns:a14="http://schemas.microsoft.com/office/drawing/2010/main" Requires="a14">
           <p:sp>
             <p:nvSpPr>
-              <p:cNvPr id="47" name="Rectangle 46">
+              <p:cNvPr id="32" name="Rectangle 31">
                 <a:extLst>
                   <a:ext uri="{FF2B5EF4-FFF2-40B4-BE49-F238E27FC236}">
-                    <a16:creationId xmlns:a16="http://schemas.microsoft.com/office/drawing/2014/main" id="{C48E4C1A-0C74-4B31-BB13-A2E2CF56E09A}"/>
+                    <a16:creationId xmlns:a16="http://schemas.microsoft.com/office/drawing/2014/main" id="{74118FD2-E979-47AE-B230-853695024FB4}"/>
                   </a:ext>
                 </a:extLst>
               </p:cNvPr>
@@ -6203,8 +4879,8 @@
             </p:nvSpPr>
             <p:spPr>
               <a:xfrm>
-                <a:off x="3256013" y="1218032"/>
-                <a:ext cx="535602" cy="676690"/>
+                <a:off x="4303574" y="1166470"/>
+                <a:ext cx="1593522" cy="752562"/>
               </a:xfrm>
               <a:prstGeom prst="rect">
                 <a:avLst/>
@@ -6277,6 +4953,81 @@
                             </a:rPr>
                             <m:t>𝑝</m:t>
                           </m:r>
+                          <m:d>
+                            <m:dPr>
+                              <m:ctrlPr>
+                                <a:rPr lang="fr-FR" i="1">
+                                  <a:solidFill>
+                                    <a:schemeClr val="tx1"/>
+                                  </a:solidFill>
+                                  <a:latin typeface="Cambria Math" panose="02040503050406030204" pitchFamily="18" charset="0"/>
+                                </a:rPr>
+                              </m:ctrlPr>
+                            </m:dPr>
+                            <m:e>
+                              <m:r>
+                                <a:rPr lang="fr-FR" b="0" i="1" smtClean="0">
+                                  <a:solidFill>
+                                    <a:schemeClr val="tx1"/>
+                                  </a:solidFill>
+                                  <a:latin typeface="Cambria Math" panose="02040503050406030204" pitchFamily="18" charset="0"/>
+                                </a:rPr>
+                                <m:t>1</m:t>
+                              </m:r>
+                              <m:r>
+                                <a:rPr lang="fr-FR" i="1">
+                                  <a:solidFill>
+                                    <a:schemeClr val="tx1"/>
+                                  </a:solidFill>
+                                  <a:latin typeface="Cambria Math" panose="02040503050406030204" pitchFamily="18" charset="0"/>
+                                </a:rPr>
+                                <m:t>+</m:t>
+                              </m:r>
+                              <m:sSub>
+                                <m:sSubPr>
+                                  <m:ctrlPr>
+                                    <a:rPr lang="fr-FR" b="0" i="1" smtClean="0">
+                                      <a:solidFill>
+                                        <a:schemeClr val="tx1"/>
+                                      </a:solidFill>
+                                      <a:latin typeface="Cambria Math" panose="02040503050406030204" pitchFamily="18" charset="0"/>
+                                    </a:rPr>
+                                  </m:ctrlPr>
+                                </m:sSubPr>
+                                <m:e>
+                                  <m:r>
+                                    <a:rPr lang="fr-FR" b="0" i="1" smtClean="0">
+                                      <a:solidFill>
+                                        <a:schemeClr val="tx1"/>
+                                      </a:solidFill>
+                                      <a:latin typeface="Cambria Math" panose="02040503050406030204" pitchFamily="18" charset="0"/>
+                                    </a:rPr>
+                                    <m:t>𝜏</m:t>
+                                  </m:r>
+                                </m:e>
+                                <m:sub>
+                                  <m:r>
+                                    <a:rPr lang="fr-FR" b="0" i="1" smtClean="0">
+                                      <a:solidFill>
+                                        <a:schemeClr val="tx1"/>
+                                      </a:solidFill>
+                                      <a:latin typeface="Cambria Math" panose="02040503050406030204" pitchFamily="18" charset="0"/>
+                                    </a:rPr>
+                                    <m:t>1</m:t>
+                                  </m:r>
+                                </m:sub>
+                              </m:sSub>
+                              <m:r>
+                                <a:rPr lang="fr-FR" i="1">
+                                  <a:solidFill>
+                                    <a:schemeClr val="tx1"/>
+                                  </a:solidFill>
+                                  <a:latin typeface="Cambria Math" panose="02040503050406030204" pitchFamily="18" charset="0"/>
+                                </a:rPr>
+                                <m:t>𝑝</m:t>
+                              </m:r>
+                            </m:e>
+                          </m:d>
                         </m:den>
                       </m:f>
                     </m:oMath>
@@ -6291,13 +5042,13 @@
             </p:txBody>
           </p:sp>
         </mc:Choice>
-        <mc:Fallback xmlns="">
+        <mc:Fallback>
           <p:sp>
             <p:nvSpPr>
-              <p:cNvPr id="47" name="Rectangle 46">
+              <p:cNvPr id="32" name="Rectangle 31">
                 <a:extLst>
                   <a:ext uri="{FF2B5EF4-FFF2-40B4-BE49-F238E27FC236}">
-                    <a16:creationId xmlns:a16="http://schemas.microsoft.com/office/drawing/2014/main" id="{C48E4C1A-0C74-4B31-BB13-A2E2CF56E09A}"/>
+                    <a16:creationId xmlns:a16="http://schemas.microsoft.com/office/drawing/2014/main" id="{74118FD2-E979-47AE-B230-853695024FB4}"/>
                   </a:ext>
                 </a:extLst>
               </p:cNvPr>
@@ -6308,289 +5059,8 @@
             </p:nvSpPr>
             <p:spPr>
               <a:xfrm>
-                <a:off x="3256013" y="1218032"/>
-                <a:ext cx="535602" cy="676690"/>
-              </a:xfrm>
-              <a:prstGeom prst="rect">
-                <a:avLst/>
-              </a:prstGeom>
-              <a:blipFill>
-                <a:blip r:embed="rId10"/>
-                <a:stretch>
-                  <a:fillRect/>
-                </a:stretch>
-              </a:blipFill>
-              <a:ln w="19050">
-                <a:solidFill>
-                  <a:schemeClr val="accent5">
-                    <a:lumMod val="50000"/>
-                  </a:schemeClr>
-                </a:solidFill>
-              </a:ln>
-            </p:spPr>
-            <p:txBody>
-              <a:bodyPr/>
-              <a:lstStyle/>
-              <a:p>
-                <a:r>
-                  <a:rPr lang="fr-FR">
-                    <a:noFill/>
-                  </a:rPr>
-                  <a:t> </a:t>
-                </a:r>
-              </a:p>
-            </p:txBody>
-          </p:sp>
-        </mc:Fallback>
-      </mc:AlternateContent>
-      <p:cxnSp>
-        <p:nvCxnSpPr>
-          <p:cNvPr id="52" name="Connecteur droit avec flèche 51">
-            <a:extLst>
-              <a:ext uri="{FF2B5EF4-FFF2-40B4-BE49-F238E27FC236}">
-                <a16:creationId xmlns:a16="http://schemas.microsoft.com/office/drawing/2014/main" id="{22C46CAD-A670-4A59-8C1C-840FDA0BE59B}"/>
-              </a:ext>
-            </a:extLst>
-          </p:cNvPr>
-          <p:cNvCxnSpPr>
-            <a:cxnSpLocks/>
-            <a:endCxn id="5" idx="1"/>
-          </p:cNvCxnSpPr>
-          <p:nvPr/>
-        </p:nvCxnSpPr>
-        <p:spPr>
-          <a:xfrm flipV="1">
-            <a:off x="2834648" y="2290746"/>
-            <a:ext cx="421365" cy="1"/>
-          </a:xfrm>
-          <a:prstGeom prst="straightConnector1">
-            <a:avLst/>
-          </a:prstGeom>
-          <a:noFill/>
-          <a:ln w="19050">
-            <a:solidFill>
-              <a:schemeClr val="accent5">
-                <a:lumMod val="50000"/>
-              </a:schemeClr>
-            </a:solidFill>
-            <a:tailEnd type="none" w="med" len="lg"/>
-          </a:ln>
-        </p:spPr>
-        <p:style>
-          <a:lnRef idx="2">
-            <a:schemeClr val="accent1">
-              <a:shade val="50000"/>
-            </a:schemeClr>
-          </a:lnRef>
-          <a:fillRef idx="1">
-            <a:schemeClr val="accent1"/>
-          </a:fillRef>
-          <a:effectRef idx="0">
-            <a:schemeClr val="accent1"/>
-          </a:effectRef>
-          <a:fontRef idx="minor">
-            <a:schemeClr val="lt1"/>
-          </a:fontRef>
-        </p:style>
-      </p:cxnSp>
-      <p:cxnSp>
-        <p:nvCxnSpPr>
-          <p:cNvPr id="56" name="Connecteur droit avec flèche 55">
-            <a:extLst>
-              <a:ext uri="{FF2B5EF4-FFF2-40B4-BE49-F238E27FC236}">
-                <a16:creationId xmlns:a16="http://schemas.microsoft.com/office/drawing/2014/main" id="{27EB1475-DDFB-4F4D-833C-383E53B85318}"/>
-              </a:ext>
-            </a:extLst>
-          </p:cNvPr>
-          <p:cNvCxnSpPr>
-            <a:cxnSpLocks/>
-            <a:stCxn id="47" idx="3"/>
-          </p:cNvCxnSpPr>
-          <p:nvPr/>
-        </p:nvCxnSpPr>
-        <p:spPr>
-          <a:xfrm>
-            <a:off x="3791615" y="1556377"/>
-            <a:ext cx="780383" cy="0"/>
-          </a:xfrm>
-          <a:prstGeom prst="straightConnector1">
-            <a:avLst/>
-          </a:prstGeom>
-          <a:noFill/>
-          <a:ln w="19050">
-            <a:solidFill>
-              <a:schemeClr val="accent5">
-                <a:lumMod val="50000"/>
-              </a:schemeClr>
-            </a:solidFill>
-            <a:tailEnd type="stealth" w="med" len="lg"/>
-          </a:ln>
-        </p:spPr>
-        <p:style>
-          <a:lnRef idx="2">
-            <a:schemeClr val="accent1">
-              <a:shade val="50000"/>
-            </a:schemeClr>
-          </a:lnRef>
-          <a:fillRef idx="1">
-            <a:schemeClr val="accent1"/>
-          </a:fillRef>
-          <a:effectRef idx="0">
-            <a:schemeClr val="accent1"/>
-          </a:effectRef>
-          <a:fontRef idx="minor">
-            <a:schemeClr val="lt1"/>
-          </a:fontRef>
-        </p:style>
-      </p:cxnSp>
-      <p:cxnSp>
-        <p:nvCxnSpPr>
-          <p:cNvPr id="61" name="Connecteur droit avec flèche 60">
-            <a:extLst>
-              <a:ext uri="{FF2B5EF4-FFF2-40B4-BE49-F238E27FC236}">
-                <a16:creationId xmlns:a16="http://schemas.microsoft.com/office/drawing/2014/main" id="{C5A5FB80-0A21-4AA0-9988-BD1E9C16BF0C}"/>
-              </a:ext>
-            </a:extLst>
-          </p:cNvPr>
-          <p:cNvCxnSpPr>
-            <a:cxnSpLocks/>
-            <a:endCxn id="5" idx="3"/>
-          </p:cNvCxnSpPr>
-          <p:nvPr/>
-        </p:nvCxnSpPr>
-        <p:spPr>
-          <a:xfrm flipH="1">
-            <a:off x="3791609" y="2290746"/>
-            <a:ext cx="334618" cy="0"/>
-          </a:xfrm>
-          <a:prstGeom prst="straightConnector1">
-            <a:avLst/>
-          </a:prstGeom>
-          <a:noFill/>
-          <a:ln w="19050">
-            <a:solidFill>
-              <a:schemeClr val="accent5">
-                <a:lumMod val="50000"/>
-              </a:schemeClr>
-            </a:solidFill>
-            <a:tailEnd type="none" w="med" len="lg"/>
-          </a:ln>
-        </p:spPr>
-        <p:style>
-          <a:lnRef idx="2">
-            <a:schemeClr val="accent1">
-              <a:shade val="50000"/>
-            </a:schemeClr>
-          </a:lnRef>
-          <a:fillRef idx="1">
-            <a:schemeClr val="accent1"/>
-          </a:fillRef>
-          <a:effectRef idx="0">
-            <a:schemeClr val="accent1"/>
-          </a:effectRef>
-          <a:fontRef idx="minor">
-            <a:schemeClr val="lt1"/>
-          </a:fontRef>
-        </p:style>
-      </p:cxnSp>
-      <mc:AlternateContent xmlns:mc="http://schemas.openxmlformats.org/markup-compatibility/2006" xmlns:a14="http://schemas.microsoft.com/office/drawing/2010/main">
-        <mc:Choice Requires="a14">
-          <p:sp>
-            <p:nvSpPr>
-              <p:cNvPr id="64" name="Rectangle 63">
-                <a:extLst>
-                  <a:ext uri="{FF2B5EF4-FFF2-40B4-BE49-F238E27FC236}">
-                    <a16:creationId xmlns:a16="http://schemas.microsoft.com/office/drawing/2014/main" id="{E87D7415-867B-490E-8877-A2F6DC3E301A}"/>
-                  </a:ext>
-                </a:extLst>
-              </p:cNvPr>
-              <p:cNvSpPr/>
-              <p:nvPr/>
-            </p:nvSpPr>
-            <p:spPr>
-              <a:xfrm>
-                <a:off x="3256013" y="2573730"/>
-                <a:ext cx="535596" cy="432048"/>
-              </a:xfrm>
-              <a:prstGeom prst="rect">
-                <a:avLst/>
-              </a:prstGeom>
-              <a:noFill/>
-              <a:ln w="19050">
-                <a:solidFill>
-                  <a:schemeClr val="accent5">
-                    <a:lumMod val="50000"/>
-                  </a:schemeClr>
-                </a:solidFill>
-              </a:ln>
-            </p:spPr>
-            <p:style>
-              <a:lnRef idx="2">
-                <a:schemeClr val="accent1">
-                  <a:shade val="50000"/>
-                </a:schemeClr>
-              </a:lnRef>
-              <a:fillRef idx="1">
-                <a:schemeClr val="accent1"/>
-              </a:fillRef>
-              <a:effectRef idx="0">
-                <a:schemeClr val="accent1"/>
-              </a:effectRef>
-              <a:fontRef idx="minor">
-                <a:schemeClr val="lt1"/>
-              </a:fontRef>
-            </p:style>
-            <p:txBody>
-              <a:bodyPr rtlCol="0" anchor="ctr"/>
-              <a:lstStyle/>
-              <a:p>
-                <a:pPr algn="ctr"/>
-                <a14:m>
-                  <m:oMathPara xmlns:m="http://schemas.openxmlformats.org/officeDocument/2006/math">
-                    <m:oMathParaPr>
-                      <m:jc m:val="centerGroup"/>
-                    </m:oMathParaPr>
-                    <m:oMath xmlns:m="http://schemas.openxmlformats.org/officeDocument/2006/math">
-                      <m:r>
-                        <a:rPr lang="fr-FR" b="0" i="1" smtClean="0">
-                          <a:solidFill>
-                            <a:schemeClr val="tx1"/>
-                          </a:solidFill>
-                          <a:latin typeface="Cambria Math" panose="02040503050406030204" pitchFamily="18" charset="0"/>
-                        </a:rPr>
-                        <m:t>𝐶</m:t>
-                      </m:r>
-                    </m:oMath>
-                  </m:oMathPara>
-                </a14:m>
-                <a:endParaRPr lang="fr-FR" b="0" dirty="0">
-                  <a:solidFill>
-                    <a:schemeClr val="tx1"/>
-                  </a:solidFill>
-                </a:endParaRPr>
-              </a:p>
-            </p:txBody>
-          </p:sp>
-        </mc:Choice>
-        <mc:Fallback xmlns="">
-          <p:sp>
-            <p:nvSpPr>
-              <p:cNvPr id="64" name="Rectangle 63">
-                <a:extLst>
-                  <a:ext uri="{FF2B5EF4-FFF2-40B4-BE49-F238E27FC236}">
-                    <a16:creationId xmlns:a16="http://schemas.microsoft.com/office/drawing/2014/main" id="{E87D7415-867B-490E-8877-A2F6DC3E301A}"/>
-                  </a:ext>
-                </a:extLst>
-              </p:cNvPr>
-              <p:cNvSpPr>
-                <a:spLocks noRot="1" noChangeAspect="1" noMove="1" noResize="1" noEditPoints="1" noAdjustHandles="1" noChangeArrowheads="1" noChangeShapeType="1" noTextEdit="1"/>
-              </p:cNvSpPr>
-              <p:nvPr/>
-            </p:nvSpPr>
-            <p:spPr>
-              <a:xfrm>
-                <a:off x="3256013" y="2573730"/>
-                <a:ext cx="535596" cy="432048"/>
+                <a:off x="4303574" y="1166470"/>
+                <a:ext cx="1593522" cy="752562"/>
               </a:xfrm>
               <a:prstGeom prst="rect">
                 <a:avLst/>
@@ -6624,59 +5094,314 @@
           </p:sp>
         </mc:Fallback>
       </mc:AlternateContent>
-      <p:cxnSp>
-        <p:nvCxnSpPr>
-          <p:cNvPr id="68" name="Connecteur droit avec flèche 67">
-            <a:extLst>
-              <a:ext uri="{FF2B5EF4-FFF2-40B4-BE49-F238E27FC236}">
-                <a16:creationId xmlns:a16="http://schemas.microsoft.com/office/drawing/2014/main" id="{32699782-27F1-4D5E-BED8-6424E1BF25CD}"/>
-              </a:ext>
-            </a:extLst>
-          </p:cNvPr>
-          <p:cNvCxnSpPr>
-            <a:cxnSpLocks/>
-          </p:cNvCxnSpPr>
-          <p:nvPr/>
-        </p:nvCxnSpPr>
-        <p:spPr>
-          <a:xfrm>
-            <a:off x="4342288" y="1556377"/>
-            <a:ext cx="0" cy="1233377"/>
-          </a:xfrm>
-          <a:prstGeom prst="straightConnector1">
-            <a:avLst/>
-          </a:prstGeom>
-          <a:noFill/>
-          <a:ln w="19050">
-            <a:solidFill>
-              <a:schemeClr val="accent5">
-                <a:lumMod val="50000"/>
-              </a:schemeClr>
-            </a:solidFill>
-            <a:tailEnd type="none" w="med" len="lg"/>
-          </a:ln>
-        </p:spPr>
-        <p:style>
-          <a:lnRef idx="2">
-            <a:schemeClr val="accent1">
-              <a:shade val="50000"/>
-            </a:schemeClr>
-          </a:lnRef>
-          <a:fillRef idx="1">
-            <a:schemeClr val="accent1"/>
-          </a:fillRef>
-          <a:effectRef idx="0">
-            <a:schemeClr val="accent1"/>
-          </a:effectRef>
-          <a:fontRef idx="minor">
-            <a:schemeClr val="lt1"/>
-          </a:fontRef>
-        </p:style>
-      </p:cxnSp>
+      <mc:AlternateContent xmlns:mc="http://schemas.openxmlformats.org/markup-compatibility/2006">
+        <mc:Choice xmlns:a14="http://schemas.microsoft.com/office/drawing/2010/main" Requires="a14">
+          <p:sp>
+            <p:nvSpPr>
+              <p:cNvPr id="33" name="Rectangle 32">
+                <a:extLst>
+                  <a:ext uri="{FF2B5EF4-FFF2-40B4-BE49-F238E27FC236}">
+                    <a16:creationId xmlns:a16="http://schemas.microsoft.com/office/drawing/2014/main" id="{FE037141-0FEF-4BB5-A1B5-5B044C683ED4}"/>
+                  </a:ext>
+                </a:extLst>
+              </p:cNvPr>
+              <p:cNvSpPr/>
+              <p:nvPr/>
+            </p:nvSpPr>
+            <p:spPr>
+              <a:xfrm>
+                <a:off x="1434706" y="1196001"/>
+                <a:ext cx="673325" cy="369332"/>
+              </a:xfrm>
+              <a:prstGeom prst="rect">
+                <a:avLst/>
+              </a:prstGeom>
+            </p:spPr>
+            <p:txBody>
+              <a:bodyPr wrap="none">
+                <a:spAutoFit/>
+              </a:bodyPr>
+              <a:lstStyle/>
+              <a:p>
+                <a:pPr/>
+                <a14:m>
+                  <m:oMathPara xmlns:m="http://schemas.openxmlformats.org/officeDocument/2006/math">
+                    <m:oMathParaPr>
+                      <m:jc m:val="centerGroup"/>
+                    </m:oMathParaPr>
+                    <m:oMath xmlns:m="http://schemas.openxmlformats.org/officeDocument/2006/math">
+                      <m:r>
+                        <a:rPr lang="fr-FR" b="0" i="1" smtClean="0">
+                          <a:latin typeface="Cambria Math" panose="02040503050406030204" pitchFamily="18" charset="0"/>
+                        </a:rPr>
+                        <m:t>𝜀</m:t>
+                      </m:r>
+                      <m:d>
+                        <m:dPr>
+                          <m:ctrlPr>
+                            <a:rPr lang="fr-FR" i="1">
+                              <a:latin typeface="Cambria Math" panose="02040503050406030204" pitchFamily="18" charset="0"/>
+                            </a:rPr>
+                          </m:ctrlPr>
+                        </m:dPr>
+                        <m:e>
+                          <m:r>
+                            <a:rPr lang="fr-FR" i="1">
+                              <a:latin typeface="Cambria Math" panose="02040503050406030204" pitchFamily="18" charset="0"/>
+                            </a:rPr>
+                            <m:t>𝑝</m:t>
+                          </m:r>
+                        </m:e>
+                      </m:d>
+                    </m:oMath>
+                  </m:oMathPara>
+                </a14:m>
+                <a:endParaRPr lang="fr-FR" dirty="0"/>
+              </a:p>
+            </p:txBody>
+          </p:sp>
+        </mc:Choice>
+        <mc:Fallback>
+          <p:sp>
+            <p:nvSpPr>
+              <p:cNvPr id="33" name="Rectangle 32">
+                <a:extLst>
+                  <a:ext uri="{FF2B5EF4-FFF2-40B4-BE49-F238E27FC236}">
+                    <a16:creationId xmlns:a16="http://schemas.microsoft.com/office/drawing/2014/main" id="{FE037141-0FEF-4BB5-A1B5-5B044C683ED4}"/>
+                  </a:ext>
+                </a:extLst>
+              </p:cNvPr>
+              <p:cNvSpPr>
+                <a:spLocks noRot="1" noChangeAspect="1" noMove="1" noResize="1" noEditPoints="1" noAdjustHandles="1" noChangeArrowheads="1" noChangeShapeType="1" noTextEdit="1"/>
+              </p:cNvSpPr>
+              <p:nvPr/>
+            </p:nvSpPr>
+            <p:spPr>
+              <a:xfrm>
+                <a:off x="1434706" y="1196001"/>
+                <a:ext cx="673325" cy="369332"/>
+              </a:xfrm>
+              <a:prstGeom prst="rect">
+                <a:avLst/>
+              </a:prstGeom>
+              <a:blipFill>
+                <a:blip r:embed="rId12"/>
+                <a:stretch>
+                  <a:fillRect b="-6557"/>
+                </a:stretch>
+              </a:blipFill>
+            </p:spPr>
+            <p:txBody>
+              <a:bodyPr/>
+              <a:lstStyle/>
+              <a:p>
+                <a:r>
+                  <a:rPr lang="fr-FR">
+                    <a:noFill/>
+                  </a:rPr>
+                  <a:t> </a:t>
+                </a:r>
+              </a:p>
+            </p:txBody>
+          </p:sp>
+        </mc:Fallback>
+      </mc:AlternateContent>
+      <mc:AlternateContent xmlns:mc="http://schemas.openxmlformats.org/markup-compatibility/2006">
+        <mc:Choice xmlns:a14="http://schemas.microsoft.com/office/drawing/2010/main" Requires="a14">
+          <p:sp>
+            <p:nvSpPr>
+              <p:cNvPr id="40" name="Rectangle 39">
+                <a:extLst>
+                  <a:ext uri="{FF2B5EF4-FFF2-40B4-BE49-F238E27FC236}">
+                    <a16:creationId xmlns:a16="http://schemas.microsoft.com/office/drawing/2014/main" id="{3A570F24-3519-4258-92CB-3008C970ACB5}"/>
+                  </a:ext>
+                </a:extLst>
+              </p:cNvPr>
+              <p:cNvSpPr/>
+              <p:nvPr/>
+            </p:nvSpPr>
+            <p:spPr>
+              <a:xfrm>
+                <a:off x="3189733" y="490528"/>
+                <a:ext cx="708527" cy="369332"/>
+              </a:xfrm>
+              <a:prstGeom prst="rect">
+                <a:avLst/>
+              </a:prstGeom>
+            </p:spPr>
+            <p:txBody>
+              <a:bodyPr wrap="none">
+                <a:spAutoFit/>
+              </a:bodyPr>
+              <a:lstStyle/>
+              <a:p>
+                <a:pPr/>
+                <a14:m>
+                  <m:oMathPara xmlns:m="http://schemas.openxmlformats.org/officeDocument/2006/math">
+                    <m:oMathParaPr>
+                      <m:jc m:val="centerGroup"/>
+                    </m:oMathParaPr>
+                    <m:oMath xmlns:m="http://schemas.openxmlformats.org/officeDocument/2006/math">
+                      <m:r>
+                        <a:rPr lang="fr-FR" b="0" i="1" smtClean="0">
+                          <a:latin typeface="Cambria Math" panose="02040503050406030204" pitchFamily="18" charset="0"/>
+                        </a:rPr>
+                        <m:t>𝑃</m:t>
+                      </m:r>
+                      <m:d>
+                        <m:dPr>
+                          <m:ctrlPr>
+                            <a:rPr lang="fr-FR" i="1">
+                              <a:latin typeface="Cambria Math" panose="02040503050406030204" pitchFamily="18" charset="0"/>
+                            </a:rPr>
+                          </m:ctrlPr>
+                        </m:dPr>
+                        <m:e>
+                          <m:r>
+                            <a:rPr lang="fr-FR" i="1">
+                              <a:latin typeface="Cambria Math" panose="02040503050406030204" pitchFamily="18" charset="0"/>
+                            </a:rPr>
+                            <m:t>𝑝</m:t>
+                          </m:r>
+                        </m:e>
+                      </m:d>
+                    </m:oMath>
+                  </m:oMathPara>
+                </a14:m>
+                <a:endParaRPr lang="fr-FR" i="1" dirty="0"/>
+              </a:p>
+            </p:txBody>
+          </p:sp>
+        </mc:Choice>
+        <mc:Fallback>
+          <p:sp>
+            <p:nvSpPr>
+              <p:cNvPr id="40" name="Rectangle 39">
+                <a:extLst>
+                  <a:ext uri="{FF2B5EF4-FFF2-40B4-BE49-F238E27FC236}">
+                    <a16:creationId xmlns:a16="http://schemas.microsoft.com/office/drawing/2014/main" id="{3A570F24-3519-4258-92CB-3008C970ACB5}"/>
+                  </a:ext>
+                </a:extLst>
+              </p:cNvPr>
+              <p:cNvSpPr>
+                <a:spLocks noRot="1" noChangeAspect="1" noMove="1" noResize="1" noEditPoints="1" noAdjustHandles="1" noChangeArrowheads="1" noChangeShapeType="1" noTextEdit="1"/>
+              </p:cNvSpPr>
+              <p:nvPr/>
+            </p:nvSpPr>
+            <p:spPr>
+              <a:xfrm>
+                <a:off x="3189733" y="490528"/>
+                <a:ext cx="708527" cy="369332"/>
+              </a:xfrm>
+              <a:prstGeom prst="rect">
+                <a:avLst/>
+              </a:prstGeom>
+              <a:blipFill>
+                <a:blip r:embed="rId13"/>
+                <a:stretch>
+                  <a:fillRect b="-6557"/>
+                </a:stretch>
+              </a:blipFill>
+            </p:spPr>
+            <p:txBody>
+              <a:bodyPr/>
+              <a:lstStyle/>
+              <a:p>
+                <a:r>
+                  <a:rPr lang="fr-FR">
+                    <a:noFill/>
+                  </a:rPr>
+                  <a:t> </a:t>
+                </a:r>
+              </a:p>
+            </p:txBody>
+          </p:sp>
+        </mc:Fallback>
+      </mc:AlternateContent>
     </p:spTree>
     <p:extLst>
       <p:ext uri="{BB962C8B-B14F-4D97-AF65-F5344CB8AC3E}">
-        <p14:creationId xmlns:p14="http://schemas.microsoft.com/office/powerpoint/2010/main" val="674009281"/>
+        <p14:creationId xmlns:p14="http://schemas.microsoft.com/office/powerpoint/2010/main" val="272553000"/>
+      </p:ext>
+    </p:extLst>
+  </p:cSld>
+  <p:clrMapOvr>
+    <a:masterClrMapping/>
+  </p:clrMapOvr>
+</p:sld>
+</file>
+
+<file path=ppt/slides/slide2.xml><?xml version="1.0" encoding="utf-8"?>
+<p:sld xmlns:a="http://schemas.openxmlformats.org/drawingml/2006/main" xmlns:r="http://schemas.openxmlformats.org/officeDocument/2006/relationships" xmlns:p="http://schemas.openxmlformats.org/presentationml/2006/main">
+  <p:cSld>
+    <p:spTree>
+      <p:nvGrpSpPr>
+        <p:cNvPr id="1" name=""/>
+        <p:cNvGrpSpPr/>
+        <p:nvPr/>
+      </p:nvGrpSpPr>
+      <p:grpSpPr>
+        <a:xfrm>
+          <a:off x="0" y="0"/>
+          <a:ext cx="0" cy="0"/>
+          <a:chOff x="0" y="0"/>
+          <a:chExt cx="0" cy="0"/>
+        </a:xfrm>
+      </p:grpSpPr>
+      <p:sp>
+        <p:nvSpPr>
+          <p:cNvPr id="2" name="Titre 1">
+            <a:extLst>
+              <a:ext uri="{FF2B5EF4-FFF2-40B4-BE49-F238E27FC236}">
+                <a16:creationId xmlns:a16="http://schemas.microsoft.com/office/drawing/2014/main" id="{19C8F8A3-48FE-4B9D-B5F6-DF7674DB1193}"/>
+              </a:ext>
+            </a:extLst>
+          </p:cNvPr>
+          <p:cNvSpPr>
+            <a:spLocks noGrp="1"/>
+          </p:cNvSpPr>
+          <p:nvPr>
+            <p:ph type="ctrTitle"/>
+          </p:nvPr>
+        </p:nvSpPr>
+        <p:spPr/>
+        <p:txBody>
+          <a:bodyPr/>
+          <a:lstStyle/>
+          <a:p>
+            <a:endParaRPr lang="fr-FR"/>
+          </a:p>
+        </p:txBody>
+      </p:sp>
+      <p:sp>
+        <p:nvSpPr>
+          <p:cNvPr id="3" name="Sous-titre 2">
+            <a:extLst>
+              <a:ext uri="{FF2B5EF4-FFF2-40B4-BE49-F238E27FC236}">
+                <a16:creationId xmlns:a16="http://schemas.microsoft.com/office/drawing/2014/main" id="{4F2E2E16-0FDD-4CDD-A03B-87AFD0A93A8A}"/>
+              </a:ext>
+            </a:extLst>
+          </p:cNvPr>
+          <p:cNvSpPr>
+            <a:spLocks noGrp="1"/>
+          </p:cNvSpPr>
+          <p:nvPr>
+            <p:ph type="subTitle" idx="1"/>
+          </p:nvPr>
+        </p:nvSpPr>
+        <p:spPr/>
+        <p:txBody>
+          <a:bodyPr/>
+          <a:lstStyle/>
+          <a:p>
+            <a:endParaRPr lang="fr-FR"/>
+          </a:p>
+        </p:txBody>
+      </p:sp>
+    </p:spTree>
+    <p:extLst>
+      <p:ext uri="{BB962C8B-B14F-4D97-AF65-F5344CB8AC3E}">
+        <p14:creationId xmlns:p14="http://schemas.microsoft.com/office/powerpoint/2010/main" val="1753854465"/>
       </p:ext>
     </p:extLst>
   </p:cSld>
